--- a/Camping_Wildfire Presentation.pptx
+++ b/Camping_Wildfire Presentation.pptx
@@ -819,7 +819,7 @@
       </p:grpSpPr>
       <p:sp>
         <p:nvSpPr>
-          <p:cNvPr id="259" name="Google Shape;259;g70f1f795cd_0_5:notes"/>
+          <p:cNvPr id="259" name="Google Shape;259;g70f1f795cd_1_45:notes"/>
           <p:cNvSpPr/>
           <p:nvPr>
             <p:ph idx="2" type="sldImg"/>
@@ -854,7 +854,7 @@
       </p:sp>
       <p:sp>
         <p:nvSpPr>
-          <p:cNvPr id="260" name="Google Shape;260;g70f1f795cd_0_5:notes"/>
+          <p:cNvPr id="260" name="Google Shape;260;g70f1f795cd_1_45:notes"/>
           <p:cNvSpPr txBox="1"/>
           <p:nvPr>
             <p:ph idx="1" type="body"/>
@@ -885,7 +885,43 @@
               <a:buNone/>
             </a:pPr>
             <a:r>
+              <a:rPr lang="en"/>
+              <a:t>Our objective is to bridge the gap </a:t>
+            </a:r>
+            <a:r>
+              <a:rPr lang="en"/>
+              <a:t>between all National Parks throughout the United States with a </a:t>
+            </a:r>
+            <a:endParaRPr/>
+          </a:p>
+          <a:p>
+            <a:pPr indent="0" lvl="0" marL="0" rtl="0" algn="l">
+              <a:spcBef>
+                <a:spcPts val="0"/>
+              </a:spcBef>
+              <a:spcAft>
+                <a:spcPts val="0"/>
+              </a:spcAft>
+              <a:buNone/>
+            </a:pPr>
+            <a:r>
               <a:t/>
+            </a:r>
+            <a:endParaRPr/>
+          </a:p>
+          <a:p>
+            <a:pPr indent="0" lvl="0" marL="0" rtl="0" algn="l">
+              <a:spcBef>
+                <a:spcPts val="0"/>
+              </a:spcBef>
+              <a:spcAft>
+                <a:spcPts val="0"/>
+              </a:spcAft>
+              <a:buNone/>
+            </a:pPr>
+            <a:r>
+              <a:rPr lang="en"/>
+              <a:t>unique overlay of historical fire data that may influence your next camping decision. </a:t>
             </a:r>
             <a:endParaRPr/>
           </a:p>
@@ -904,7 +940,7 @@
   <p:cSld>
     <p:spTree>
       <p:nvGrpSpPr>
-        <p:cNvPr id="266" name="Shape 266"/>
+        <p:cNvPr id="323" name="Shape 323"/>
         <p:cNvGrpSpPr/>
         <p:nvPr/>
       </p:nvGrpSpPr>
@@ -918,7 +954,7 @@
       </p:grpSpPr>
       <p:sp>
         <p:nvSpPr>
-          <p:cNvPr id="267" name="Google Shape;267;g70f1f795cd_0_30:notes"/>
+          <p:cNvPr id="324" name="Google Shape;324;g70f1f795cd_0_5:notes"/>
           <p:cNvSpPr/>
           <p:nvPr>
             <p:ph idx="2" type="sldImg"/>
@@ -953,7 +989,7 @@
       </p:sp>
       <p:sp>
         <p:nvSpPr>
-          <p:cNvPr id="268" name="Google Shape;268;g70f1f795cd_0_30:notes"/>
+          <p:cNvPr id="325" name="Google Shape;325;g70f1f795cd_0_5:notes"/>
           <p:cNvSpPr txBox="1"/>
           <p:nvPr>
             <p:ph idx="1" type="body"/>
@@ -1003,7 +1039,7 @@
   <p:cSld>
     <p:spTree>
       <p:nvGrpSpPr>
-        <p:cNvPr id="280" name="Shape 280"/>
+        <p:cNvPr id="331" name="Shape 331"/>
         <p:cNvGrpSpPr/>
         <p:nvPr/>
       </p:nvGrpSpPr>
@@ -1017,7 +1053,7 @@
       </p:grpSpPr>
       <p:sp>
         <p:nvSpPr>
-          <p:cNvPr id="281" name="Google Shape;281;gd4cf78f3c8_0_17:notes"/>
+          <p:cNvPr id="332" name="Google Shape;332;g70f1f795cd_0_30:notes"/>
           <p:cNvSpPr/>
           <p:nvPr>
             <p:ph idx="2" type="sldImg"/>
@@ -1052,7 +1088,7 @@
       </p:sp>
       <p:sp>
         <p:nvSpPr>
-          <p:cNvPr id="282" name="Google Shape;282;gd4cf78f3c8_0_17:notes"/>
+          <p:cNvPr id="333" name="Google Shape;333;g70f1f795cd_0_30:notes"/>
           <p:cNvSpPr txBox="1"/>
           <p:nvPr>
             <p:ph idx="1" type="body"/>
@@ -1102,7 +1138,7 @@
   <p:cSld>
     <p:spTree>
       <p:nvGrpSpPr>
-        <p:cNvPr id="286" name="Shape 286"/>
+        <p:cNvPr id="351" name="Shape 351"/>
         <p:cNvGrpSpPr/>
         <p:nvPr/>
       </p:nvGrpSpPr>
@@ -1116,7 +1152,7 @@
       </p:grpSpPr>
       <p:sp>
         <p:nvSpPr>
-          <p:cNvPr id="287" name="Google Shape;287;g70f1f795cd_1_45:notes"/>
+          <p:cNvPr id="352" name="Google Shape;352;gd4cf78f3c8_0_17:notes"/>
           <p:cNvSpPr/>
           <p:nvPr>
             <p:ph idx="2" type="sldImg"/>
@@ -1151,7 +1187,7 @@
       </p:sp>
       <p:sp>
         <p:nvSpPr>
-          <p:cNvPr id="288" name="Google Shape;288;g70f1f795cd_1_45:notes"/>
+          <p:cNvPr id="353" name="Google Shape;353;gd4cf78f3c8_0_17:notes"/>
           <p:cNvSpPr txBox="1"/>
           <p:nvPr>
             <p:ph idx="1" type="body"/>
@@ -1182,12 +1218,7 @@
               <a:buNone/>
             </a:pPr>
             <a:r>
-              <a:rPr lang="en"/>
-              <a:t>Our objective is to bridge the gap </a:t>
-            </a:r>
-            <a:r>
-              <a:rPr lang="en"/>
-              <a:t>between all National Parks throughout the United States with a unique overlay of historical fire data that may influence your next camping decision. </a:t>
+              <a:t/>
             </a:r>
             <a:endParaRPr/>
           </a:p>
@@ -27873,1047 +27904,9 @@
           <a:chExt cx="0" cy="0"/>
         </a:xfrm>
       </p:grpSpPr>
-      <p:sp>
-        <p:nvSpPr>
-          <p:cNvPr id="262" name="Google Shape;262;p35"/>
-          <p:cNvSpPr txBox="1"/>
-          <p:nvPr>
-            <p:ph type="title"/>
-          </p:nvPr>
-        </p:nvSpPr>
-        <p:spPr>
-          <a:xfrm>
-            <a:off x="583849" y="489050"/>
-            <a:ext cx="7968600" cy="572700"/>
-          </a:xfrm>
-          <a:prstGeom prst="rect">
-            <a:avLst/>
-          </a:prstGeom>
-        </p:spPr>
-        <p:txBody>
-          <a:bodyPr anchorCtr="0" anchor="t" bIns="91425" lIns="91425" spcFirstLastPara="1" rIns="91425" wrap="square" tIns="91425">
-            <a:noAutofit/>
-          </a:bodyPr>
-          <a:lstStyle/>
-          <a:p>
-            <a:pPr indent="0" lvl="0" marL="0" rtl="0" algn="l">
-              <a:spcBef>
-                <a:spcPts val="0"/>
-              </a:spcBef>
-              <a:spcAft>
-                <a:spcPts val="0"/>
-              </a:spcAft>
-              <a:buNone/>
-            </a:pPr>
-            <a:r>
-              <a:rPr lang="en" sz="4500"/>
-              <a:t>Data Collection</a:t>
-            </a:r>
-            <a:endParaRPr sz="4500"/>
-          </a:p>
-        </p:txBody>
-      </p:sp>
-      <p:sp>
-        <p:nvSpPr>
-          <p:cNvPr id="263" name="Google Shape;263;p35"/>
-          <p:cNvSpPr txBox="1"/>
-          <p:nvPr>
-            <p:ph idx="1" type="body"/>
-          </p:nvPr>
-        </p:nvSpPr>
-        <p:spPr>
-          <a:xfrm>
-            <a:off x="614425" y="1370125"/>
-            <a:ext cx="7919400" cy="2831100"/>
-          </a:xfrm>
-          <a:prstGeom prst="rect">
-            <a:avLst/>
-          </a:prstGeom>
-        </p:spPr>
-        <p:txBody>
-          <a:bodyPr anchorCtr="0" anchor="t" bIns="91425" lIns="91425" spcFirstLastPara="1" rIns="91425" wrap="square" tIns="91425">
-            <a:noAutofit/>
-          </a:bodyPr>
-          <a:lstStyle/>
-          <a:p>
-            <a:pPr indent="0" lvl="0" marL="0" rtl="0" algn="l">
-              <a:spcBef>
-                <a:spcPts val="0"/>
-              </a:spcBef>
-              <a:spcAft>
-                <a:spcPts val="0"/>
-              </a:spcAft>
-              <a:buNone/>
-            </a:pPr>
-            <a:r>
-              <a:rPr b="1" lang="en" sz="1400" u="sng">
-                <a:solidFill>
-                  <a:schemeClr val="hlink"/>
-                </a:solidFill>
-                <a:hlinkClick r:id="rId3"/>
-              </a:rPr>
-              <a:t>National Park Service (NPS) API</a:t>
-            </a:r>
-            <a:endParaRPr b="1" sz="1400"/>
-          </a:p>
-          <a:p>
-            <a:pPr indent="-317500" lvl="0" marL="1371600" rtl="0" algn="l">
-              <a:spcBef>
-                <a:spcPts val="0"/>
-              </a:spcBef>
-              <a:spcAft>
-                <a:spcPts val="0"/>
-              </a:spcAft>
-              <a:buSzPts val="1400"/>
-              <a:buChar char="●"/>
-            </a:pPr>
-            <a:r>
-              <a:rPr lang="en" sz="1400"/>
-              <a:t>National Parks</a:t>
-            </a:r>
-            <a:endParaRPr sz="1400"/>
-          </a:p>
-          <a:p>
-            <a:pPr indent="-317500" lvl="1" marL="1828800" rtl="0" algn="l">
-              <a:spcBef>
-                <a:spcPts val="0"/>
-              </a:spcBef>
-              <a:spcAft>
-                <a:spcPts val="0"/>
-              </a:spcAft>
-              <a:buSzPts val="1400"/>
-              <a:buChar char="○"/>
-            </a:pPr>
-            <a:r>
-              <a:rPr lang="en"/>
-              <a:t>Latitude, Longitude, Name, Description, Designation (Type of Park), and Park URL</a:t>
-            </a:r>
-            <a:endParaRPr sz="1400"/>
-          </a:p>
-          <a:p>
-            <a:pPr indent="-317500" lvl="0" marL="1371600" rtl="0" algn="l">
-              <a:spcBef>
-                <a:spcPts val="0"/>
-              </a:spcBef>
-              <a:spcAft>
-                <a:spcPts val="0"/>
-              </a:spcAft>
-              <a:buSzPts val="1400"/>
-              <a:buChar char="●"/>
-            </a:pPr>
-            <a:r>
-              <a:rPr lang="en" sz="1400"/>
-              <a:t>Campgrounds</a:t>
-            </a:r>
-            <a:endParaRPr sz="1400"/>
-          </a:p>
-          <a:p>
-            <a:pPr indent="-317500" lvl="1" marL="1828800" rtl="0" algn="l">
-              <a:spcBef>
-                <a:spcPts val="0"/>
-              </a:spcBef>
-              <a:spcAft>
-                <a:spcPts val="0"/>
-              </a:spcAft>
-              <a:buClr>
-                <a:schemeClr val="dk1"/>
-              </a:buClr>
-              <a:buSzPts val="1400"/>
-              <a:buChar char="○"/>
-            </a:pPr>
-            <a:r>
-              <a:rPr lang="en">
-                <a:solidFill>
-                  <a:schemeClr val="dk1"/>
-                </a:solidFill>
-              </a:rPr>
-              <a:t>Latitude, Longitude, Name, Description, Reservation Information, Reservation URL</a:t>
-            </a:r>
-            <a:endParaRPr/>
-          </a:p>
-          <a:p>
-            <a:pPr indent="0" lvl="0" marL="0" rtl="0" algn="l">
-              <a:spcBef>
-                <a:spcPts val="0"/>
-              </a:spcBef>
-              <a:spcAft>
-                <a:spcPts val="0"/>
-              </a:spcAft>
-              <a:buNone/>
-            </a:pPr>
-            <a:r>
-              <a:rPr b="1" lang="en" sz="1400" u="sng">
-                <a:solidFill>
-                  <a:schemeClr val="hlink"/>
-                </a:solidFill>
-                <a:hlinkClick r:id="rId4"/>
-              </a:rPr>
-              <a:t>National Interagency Fire Center</a:t>
-            </a:r>
-            <a:endParaRPr b="1"/>
-          </a:p>
-          <a:p>
-            <a:pPr indent="-317500" lvl="0" marL="1371600" rtl="0" algn="l">
-              <a:spcBef>
-                <a:spcPts val="0"/>
-              </a:spcBef>
-              <a:spcAft>
-                <a:spcPts val="0"/>
-              </a:spcAft>
-              <a:buSzPts val="1400"/>
-              <a:buChar char="●"/>
-            </a:pPr>
-            <a:r>
-              <a:rPr lang="en" sz="1400"/>
-              <a:t>Wildland Fire Locations Full History Dataset</a:t>
-            </a:r>
-            <a:endParaRPr sz="1400"/>
-          </a:p>
-          <a:p>
-            <a:pPr indent="-317500" lvl="1" marL="1828800" rtl="0" algn="l">
-              <a:spcBef>
-                <a:spcPts val="0"/>
-              </a:spcBef>
-              <a:spcAft>
-                <a:spcPts val="0"/>
-              </a:spcAft>
-              <a:buSzPts val="1400"/>
-              <a:buChar char="○"/>
-            </a:pPr>
-            <a:r>
-              <a:rPr lang="en"/>
-              <a:t>Latitude and Longitude</a:t>
-            </a:r>
-            <a:endParaRPr/>
-          </a:p>
-        </p:txBody>
-      </p:sp>
-      <p:sp>
-        <p:nvSpPr>
-          <p:cNvPr id="264" name="Google Shape;264;p35"/>
-          <p:cNvSpPr txBox="1"/>
-          <p:nvPr/>
-        </p:nvSpPr>
-        <p:spPr>
-          <a:xfrm>
-            <a:off x="614429" y="4287654"/>
-            <a:ext cx="5393100" cy="300000"/>
-          </a:xfrm>
-          <a:prstGeom prst="rect">
-            <a:avLst/>
-          </a:prstGeom>
-          <a:noFill/>
-          <a:ln>
-            <a:noFill/>
-          </a:ln>
-        </p:spPr>
-        <p:txBody>
-          <a:bodyPr anchorCtr="0" anchor="t" bIns="91425" lIns="91425" spcFirstLastPara="1" rIns="91425" wrap="square" tIns="91425">
-            <a:noAutofit/>
-          </a:bodyPr>
-          <a:lstStyle/>
-          <a:p>
-            <a:pPr indent="0" lvl="0" marL="0" rtl="0" algn="l">
-              <a:lnSpc>
-                <a:spcPct val="115000"/>
-              </a:lnSpc>
-              <a:spcBef>
-                <a:spcPts val="0"/>
-              </a:spcBef>
-              <a:spcAft>
-                <a:spcPts val="1600"/>
-              </a:spcAft>
-              <a:buNone/>
-            </a:pPr>
-            <a:r>
-              <a:t/>
-            </a:r>
-            <a:endParaRPr sz="1200">
-              <a:latin typeface="Lato"/>
-              <a:ea typeface="Lato"/>
-              <a:cs typeface="Lato"/>
-              <a:sym typeface="Lato"/>
-            </a:endParaRPr>
-          </a:p>
-        </p:txBody>
-      </p:sp>
-      <p:sp>
-        <p:nvSpPr>
-          <p:cNvPr id="265" name="Google Shape;265;p35"/>
-          <p:cNvSpPr/>
-          <p:nvPr/>
-        </p:nvSpPr>
-        <p:spPr>
-          <a:xfrm>
-            <a:off x="0" y="4782000"/>
-            <a:ext cx="9144000" cy="361500"/>
-          </a:xfrm>
-          <a:prstGeom prst="rect">
-            <a:avLst/>
-          </a:prstGeom>
-          <a:solidFill>
-            <a:schemeClr val="accent2"/>
-          </a:solidFill>
-          <a:ln>
-            <a:noFill/>
-          </a:ln>
-        </p:spPr>
-        <p:txBody>
-          <a:bodyPr anchorCtr="0" anchor="ctr" bIns="91425" lIns="91425" spcFirstLastPara="1" rIns="91425" wrap="square" tIns="91425">
-            <a:noAutofit/>
-          </a:bodyPr>
-          <a:lstStyle/>
-          <a:p>
-            <a:pPr indent="0" lvl="0" marL="0" rtl="0" algn="l">
-              <a:spcBef>
-                <a:spcPts val="0"/>
-              </a:spcBef>
-              <a:spcAft>
-                <a:spcPts val="0"/>
-              </a:spcAft>
-              <a:buNone/>
-            </a:pPr>
-            <a:r>
-              <a:t/>
-            </a:r>
-            <a:endParaRPr/>
-          </a:p>
-        </p:txBody>
-      </p:sp>
-    </p:spTree>
-  </p:cSld>
-  <p:clrMapOvr>
-    <a:masterClrMapping/>
-  </p:clrMapOvr>
-</p:sld>
-</file>
-
-<file path=ppt/slides/slide3.xml><?xml version="1.0" encoding="utf-8"?>
-<p:sld xmlns:a="http://schemas.openxmlformats.org/drawingml/2006/main" xmlns:r="http://schemas.openxmlformats.org/officeDocument/2006/relationships" xmlns:mc="http://schemas.openxmlformats.org/markup-compatibility/2006" xmlns:mv="urn:schemas-microsoft-com:mac:vml" xmlns:p="http://schemas.openxmlformats.org/presentationml/2006/main" xmlns:c="http://schemas.openxmlformats.org/drawingml/2006/chart" xmlns:dgm="http://schemas.openxmlformats.org/drawingml/2006/diagram" xmlns:o="urn:schemas-microsoft-com:office:office" xmlns:v="urn:schemas-microsoft-com:vml" xmlns:pvml="urn:schemas-microsoft-com:office:powerpoint" xmlns:com="http://schemas.openxmlformats.org/drawingml/2006/compatibility" xmlns:p14="http://schemas.microsoft.com/office/powerpoint/2010/main" xmlns:p15="http://schemas.microsoft.com/office/powerpoint/2012/main" xmlns:ahyp="http://schemas.microsoft.com/office/drawing/2018/hyperlinkcolor">
-  <p:cSld>
-    <p:spTree>
-      <p:nvGrpSpPr>
-        <p:cNvPr id="269" name="Shape 269"/>
-        <p:cNvGrpSpPr/>
-        <p:nvPr/>
-      </p:nvGrpSpPr>
-      <p:grpSpPr>
-        <a:xfrm>
-          <a:off x="0" y="0"/>
-          <a:ext cx="0" cy="0"/>
-          <a:chOff x="0" y="0"/>
-          <a:chExt cx="0" cy="0"/>
-        </a:xfrm>
-      </p:grpSpPr>
-      <p:sp>
-        <p:nvSpPr>
-          <p:cNvPr id="270" name="Google Shape;270;p36"/>
-          <p:cNvSpPr txBox="1"/>
-          <p:nvPr>
-            <p:ph type="title"/>
-          </p:nvPr>
-        </p:nvSpPr>
-        <p:spPr>
-          <a:xfrm>
-            <a:off x="713225" y="257025"/>
-            <a:ext cx="7717500" cy="572700"/>
-          </a:xfrm>
-          <a:prstGeom prst="rect">
-            <a:avLst/>
-          </a:prstGeom>
-        </p:spPr>
-        <p:txBody>
-          <a:bodyPr anchorCtr="0" anchor="t" bIns="91425" lIns="91425" spcFirstLastPara="1" rIns="91425" wrap="square" tIns="91425">
-            <a:noAutofit/>
-          </a:bodyPr>
-          <a:lstStyle/>
-          <a:p>
-            <a:pPr indent="0" lvl="0" marL="0" rtl="0" algn="ctr">
-              <a:spcBef>
-                <a:spcPts val="0"/>
-              </a:spcBef>
-              <a:spcAft>
-                <a:spcPts val="0"/>
-              </a:spcAft>
-              <a:buClr>
-                <a:schemeClr val="dk1"/>
-              </a:buClr>
-              <a:buSzPts val="1100"/>
-              <a:buFont typeface="Arial"/>
-              <a:buNone/>
-            </a:pPr>
-            <a:r>
-              <a:rPr lang="en"/>
-              <a:t>Technology Utilized</a:t>
-            </a:r>
-            <a:endParaRPr/>
-          </a:p>
-        </p:txBody>
-      </p:sp>
-      <p:sp>
-        <p:nvSpPr>
-          <p:cNvPr id="271" name="Google Shape;271;p36"/>
-          <p:cNvSpPr txBox="1"/>
-          <p:nvPr>
-            <p:ph idx="2" type="title"/>
-          </p:nvPr>
-        </p:nvSpPr>
-        <p:spPr>
-          <a:xfrm>
-            <a:off x="869413" y="2085757"/>
-            <a:ext cx="2320800" cy="572700"/>
-          </a:xfrm>
-          <a:prstGeom prst="rect">
-            <a:avLst/>
-          </a:prstGeom>
-        </p:spPr>
-        <p:txBody>
-          <a:bodyPr anchorCtr="0" anchor="t" bIns="91425" lIns="91425" spcFirstLastPara="1" rIns="91425" wrap="square" tIns="91425">
-            <a:noAutofit/>
-          </a:bodyPr>
-          <a:lstStyle/>
-          <a:p>
-            <a:pPr indent="0" lvl="0" marL="0" rtl="0" algn="ctr">
-              <a:spcBef>
-                <a:spcPts val="0"/>
-              </a:spcBef>
-              <a:spcAft>
-                <a:spcPts val="0"/>
-              </a:spcAft>
-              <a:buNone/>
-            </a:pPr>
-            <a:r>
-              <a:rPr lang="en"/>
-              <a:t>Mapbox</a:t>
-            </a:r>
-            <a:endParaRPr/>
-          </a:p>
-        </p:txBody>
-      </p:sp>
-      <p:sp>
-        <p:nvSpPr>
-          <p:cNvPr id="272" name="Google Shape;272;p36"/>
-          <p:cNvSpPr txBox="1"/>
-          <p:nvPr>
-            <p:ph idx="1" type="subTitle"/>
-          </p:nvPr>
-        </p:nvSpPr>
-        <p:spPr>
-          <a:xfrm>
-            <a:off x="941325" y="2537050"/>
-            <a:ext cx="2176800" cy="809400"/>
-          </a:xfrm>
-          <a:prstGeom prst="rect">
-            <a:avLst/>
-          </a:prstGeom>
-        </p:spPr>
-        <p:txBody>
-          <a:bodyPr anchorCtr="0" anchor="t" bIns="91425" lIns="91425" spcFirstLastPara="1" rIns="91425" wrap="square" tIns="91425">
-            <a:noAutofit/>
-          </a:bodyPr>
-          <a:lstStyle/>
-          <a:p>
-            <a:pPr indent="0" lvl="0" marL="0" rtl="0" algn="ctr">
-              <a:spcBef>
-                <a:spcPts val="0"/>
-              </a:spcBef>
-              <a:spcAft>
-                <a:spcPts val="0"/>
-              </a:spcAft>
-              <a:buNone/>
-            </a:pPr>
-            <a:r>
-              <a:rPr lang="en"/>
-              <a:t>Creating the map, adding popups and layers</a:t>
-            </a:r>
-            <a:endParaRPr/>
-          </a:p>
-        </p:txBody>
-      </p:sp>
-      <p:sp>
-        <p:nvSpPr>
-          <p:cNvPr id="273" name="Google Shape;273;p36"/>
-          <p:cNvSpPr txBox="1"/>
-          <p:nvPr>
-            <p:ph idx="3" type="title"/>
-          </p:nvPr>
-        </p:nvSpPr>
-        <p:spPr>
-          <a:xfrm>
-            <a:off x="3411566" y="2085757"/>
-            <a:ext cx="2320800" cy="572700"/>
-          </a:xfrm>
-          <a:prstGeom prst="rect">
-            <a:avLst/>
-          </a:prstGeom>
-        </p:spPr>
-        <p:txBody>
-          <a:bodyPr anchorCtr="0" anchor="t" bIns="91425" lIns="91425" spcFirstLastPara="1" rIns="91425" wrap="square" tIns="91425">
-            <a:noAutofit/>
-          </a:bodyPr>
-          <a:lstStyle/>
-          <a:p>
-            <a:pPr indent="0" lvl="0" marL="0" rtl="0" algn="ctr">
-              <a:spcBef>
-                <a:spcPts val="0"/>
-              </a:spcBef>
-              <a:spcAft>
-                <a:spcPts val="0"/>
-              </a:spcAft>
-              <a:buNone/>
-            </a:pPr>
-            <a:r>
-              <a:rPr lang="en"/>
-              <a:t>SQL: Postgres Database</a:t>
-            </a:r>
-            <a:endParaRPr/>
-          </a:p>
-        </p:txBody>
-      </p:sp>
-      <p:sp>
-        <p:nvSpPr>
-          <p:cNvPr id="274" name="Google Shape;274;p36"/>
-          <p:cNvSpPr txBox="1"/>
-          <p:nvPr>
-            <p:ph idx="4" type="subTitle"/>
-          </p:nvPr>
-        </p:nvSpPr>
-        <p:spPr>
-          <a:xfrm>
-            <a:off x="3481504" y="2537050"/>
-            <a:ext cx="2176800" cy="809400"/>
-          </a:xfrm>
-          <a:prstGeom prst="rect">
-            <a:avLst/>
-          </a:prstGeom>
-        </p:spPr>
-        <p:txBody>
-          <a:bodyPr anchorCtr="0" anchor="t" bIns="91425" lIns="91425" spcFirstLastPara="1" rIns="91425" wrap="square" tIns="91425">
-            <a:noAutofit/>
-          </a:bodyPr>
-          <a:lstStyle/>
-          <a:p>
-            <a:pPr indent="0" lvl="0" marL="0" rtl="0" algn="ctr">
-              <a:spcBef>
-                <a:spcPts val="0"/>
-              </a:spcBef>
-              <a:spcAft>
-                <a:spcPts val="0"/>
-              </a:spcAft>
-              <a:buClr>
-                <a:schemeClr val="dk1"/>
-              </a:buClr>
-              <a:buSzPts val="1100"/>
-              <a:buFont typeface="Arial"/>
-              <a:buNone/>
-            </a:pPr>
-            <a:r>
-              <a:rPr lang="en"/>
-              <a:t>Cleaning and storing Wildfire Data</a:t>
-            </a:r>
-            <a:endParaRPr/>
-          </a:p>
-        </p:txBody>
-      </p:sp>
-      <p:sp>
-        <p:nvSpPr>
-          <p:cNvPr id="275" name="Google Shape;275;p36"/>
-          <p:cNvSpPr txBox="1"/>
-          <p:nvPr>
-            <p:ph idx="5" type="title"/>
-          </p:nvPr>
-        </p:nvSpPr>
-        <p:spPr>
-          <a:xfrm>
-            <a:off x="5953725" y="2085757"/>
-            <a:ext cx="2320800" cy="572700"/>
-          </a:xfrm>
-          <a:prstGeom prst="rect">
-            <a:avLst/>
-          </a:prstGeom>
-        </p:spPr>
-        <p:txBody>
-          <a:bodyPr anchorCtr="0" anchor="t" bIns="91425" lIns="91425" spcFirstLastPara="1" rIns="91425" wrap="square" tIns="91425">
-            <a:noAutofit/>
-          </a:bodyPr>
-          <a:lstStyle/>
-          <a:p>
-            <a:pPr indent="0" lvl="0" marL="0" rtl="0" algn="ctr">
-              <a:spcBef>
-                <a:spcPts val="0"/>
-              </a:spcBef>
-              <a:spcAft>
-                <a:spcPts val="0"/>
-              </a:spcAft>
-              <a:buNone/>
-            </a:pPr>
-            <a:r>
-              <a:rPr lang="en"/>
-              <a:t>Flask</a:t>
-            </a:r>
-            <a:endParaRPr/>
-          </a:p>
-        </p:txBody>
-      </p:sp>
-      <p:sp>
-        <p:nvSpPr>
-          <p:cNvPr id="276" name="Google Shape;276;p36"/>
-          <p:cNvSpPr txBox="1"/>
-          <p:nvPr>
-            <p:ph idx="6" type="subTitle"/>
-          </p:nvPr>
-        </p:nvSpPr>
-        <p:spPr>
-          <a:xfrm>
-            <a:off x="6021675" y="2658450"/>
-            <a:ext cx="2176800" cy="809400"/>
-          </a:xfrm>
-          <a:prstGeom prst="rect">
-            <a:avLst/>
-          </a:prstGeom>
-        </p:spPr>
-        <p:txBody>
-          <a:bodyPr anchorCtr="0" anchor="t" bIns="91425" lIns="91425" spcFirstLastPara="1" rIns="91425" wrap="square" tIns="91425">
-            <a:noAutofit/>
-          </a:bodyPr>
-          <a:lstStyle/>
-          <a:p>
-            <a:pPr indent="0" lvl="0" marL="0" rtl="0" algn="ctr">
-              <a:spcBef>
-                <a:spcPts val="0"/>
-              </a:spcBef>
-              <a:spcAft>
-                <a:spcPts val="0"/>
-              </a:spcAft>
-              <a:buNone/>
-            </a:pPr>
-            <a:r>
-              <a:rPr lang="en"/>
-              <a:t>Deploying App</a:t>
-            </a:r>
-            <a:endParaRPr/>
-          </a:p>
-        </p:txBody>
-      </p:sp>
-      <p:pic>
-        <p:nvPicPr>
-          <p:cNvPr id="277" name="Google Shape;277;p36"/>
-          <p:cNvPicPr preferRelativeResize="0"/>
-          <p:nvPr/>
-        </p:nvPicPr>
-        <p:blipFill rotWithShape="1">
-          <a:blip r:embed="rId3">
-            <a:alphaModFix/>
-          </a:blip>
-          <a:srcRect b="27504" l="0" r="0" t="0"/>
-          <a:stretch/>
-        </p:blipFill>
-        <p:spPr>
-          <a:xfrm>
-            <a:off x="6652650" y="1317972"/>
-            <a:ext cx="914850" cy="852240"/>
-          </a:xfrm>
-          <a:prstGeom prst="rect">
-            <a:avLst/>
-          </a:prstGeom>
-          <a:noFill/>
-          <a:ln>
-            <a:noFill/>
-          </a:ln>
-        </p:spPr>
-      </p:pic>
-      <p:pic>
-        <p:nvPicPr>
-          <p:cNvPr id="278" name="Google Shape;278;p36"/>
-          <p:cNvPicPr preferRelativeResize="0"/>
-          <p:nvPr/>
-        </p:nvPicPr>
-        <p:blipFill>
-          <a:blip r:embed="rId4">
-            <a:alphaModFix/>
-          </a:blip>
-          <a:stretch>
-            <a:fillRect/>
-          </a:stretch>
-        </p:blipFill>
-        <p:spPr>
-          <a:xfrm>
-            <a:off x="4114562" y="1211200"/>
-            <a:ext cx="914842" cy="944362"/>
-          </a:xfrm>
-          <a:prstGeom prst="rect">
-            <a:avLst/>
-          </a:prstGeom>
-          <a:noFill/>
-          <a:ln>
-            <a:noFill/>
-          </a:ln>
-        </p:spPr>
-      </p:pic>
-      <p:pic>
-        <p:nvPicPr>
-          <p:cNvPr id="279" name="Google Shape;279;p36"/>
-          <p:cNvPicPr preferRelativeResize="0"/>
-          <p:nvPr/>
-        </p:nvPicPr>
-        <p:blipFill>
-          <a:blip r:embed="rId5">
-            <a:alphaModFix/>
-          </a:blip>
-          <a:stretch>
-            <a:fillRect/>
-          </a:stretch>
-        </p:blipFill>
-        <p:spPr>
-          <a:xfrm>
-            <a:off x="757150" y="1397037"/>
-            <a:ext cx="2545360" cy="572700"/>
-          </a:xfrm>
-          <a:prstGeom prst="rect">
-            <a:avLst/>
-          </a:prstGeom>
-          <a:noFill/>
-          <a:ln>
-            <a:noFill/>
-          </a:ln>
-        </p:spPr>
-      </p:pic>
-    </p:spTree>
-  </p:cSld>
-  <p:clrMapOvr>
-    <a:masterClrMapping/>
-  </p:clrMapOvr>
-</p:sld>
-</file>
-
-<file path=ppt/slides/slide4.xml><?xml version="1.0" encoding="utf-8"?>
-<p:sld xmlns:a="http://schemas.openxmlformats.org/drawingml/2006/main" xmlns:r="http://schemas.openxmlformats.org/officeDocument/2006/relationships" xmlns:mc="http://schemas.openxmlformats.org/markup-compatibility/2006" xmlns:mv="urn:schemas-microsoft-com:mac:vml" xmlns:p="http://schemas.openxmlformats.org/presentationml/2006/main" xmlns:c="http://schemas.openxmlformats.org/drawingml/2006/chart" xmlns:dgm="http://schemas.openxmlformats.org/drawingml/2006/diagram" xmlns:o="urn:schemas-microsoft-com:office:office" xmlns:v="urn:schemas-microsoft-com:vml" xmlns:pvml="urn:schemas-microsoft-com:office:powerpoint" xmlns:com="http://schemas.openxmlformats.org/drawingml/2006/compatibility" xmlns:p14="http://schemas.microsoft.com/office/powerpoint/2010/main" xmlns:p15="http://schemas.microsoft.com/office/powerpoint/2012/main" xmlns:ahyp="http://schemas.microsoft.com/office/drawing/2018/hyperlinkcolor">
-  <p:cSld>
-    <p:spTree>
-      <p:nvGrpSpPr>
-        <p:cNvPr id="283" name="Shape 283"/>
-        <p:cNvGrpSpPr/>
-        <p:nvPr/>
-      </p:nvGrpSpPr>
-      <p:grpSpPr>
-        <a:xfrm>
-          <a:off x="0" y="0"/>
-          <a:ext cx="0" cy="0"/>
-          <a:chOff x="0" y="0"/>
-          <a:chExt cx="0" cy="0"/>
-        </a:xfrm>
-      </p:grpSpPr>
-      <p:sp>
-        <p:nvSpPr>
-          <p:cNvPr id="284" name="Google Shape;284;p37"/>
-          <p:cNvSpPr txBox="1"/>
-          <p:nvPr>
-            <p:ph type="title"/>
-          </p:nvPr>
-        </p:nvSpPr>
-        <p:spPr>
-          <a:xfrm>
-            <a:off x="583849" y="489050"/>
-            <a:ext cx="7968600" cy="572700"/>
-          </a:xfrm>
-          <a:prstGeom prst="rect">
-            <a:avLst/>
-          </a:prstGeom>
-        </p:spPr>
-        <p:txBody>
-          <a:bodyPr anchorCtr="0" anchor="t" bIns="91425" lIns="91425" spcFirstLastPara="1" rIns="91425" wrap="square" tIns="91425">
-            <a:noAutofit/>
-          </a:bodyPr>
-          <a:lstStyle/>
-          <a:p>
-            <a:pPr indent="0" lvl="0" marL="0" rtl="0" algn="l">
-              <a:spcBef>
-                <a:spcPts val="0"/>
-              </a:spcBef>
-              <a:spcAft>
-                <a:spcPts val="0"/>
-              </a:spcAft>
-              <a:buNone/>
-            </a:pPr>
-            <a:r>
-              <a:rPr lang="en"/>
-              <a:t>Data Cleaning</a:t>
-            </a:r>
-            <a:endParaRPr/>
-          </a:p>
-        </p:txBody>
-      </p:sp>
-      <p:sp>
-        <p:nvSpPr>
-          <p:cNvPr id="285" name="Google Shape;285;p37"/>
-          <p:cNvSpPr txBox="1"/>
-          <p:nvPr>
-            <p:ph idx="1" type="body"/>
-          </p:nvPr>
-        </p:nvSpPr>
-        <p:spPr>
-          <a:xfrm>
-            <a:off x="614425" y="1446325"/>
-            <a:ext cx="6957600" cy="2831100"/>
-          </a:xfrm>
-          <a:prstGeom prst="rect">
-            <a:avLst/>
-          </a:prstGeom>
-        </p:spPr>
-        <p:txBody>
-          <a:bodyPr anchorCtr="0" anchor="t" bIns="91425" lIns="91425" spcFirstLastPara="1" rIns="91425" wrap="square" tIns="91425">
-            <a:noAutofit/>
-          </a:bodyPr>
-          <a:lstStyle/>
-          <a:p>
-            <a:pPr indent="-317500" lvl="0" marL="457200" rtl="0" algn="l">
-              <a:spcBef>
-                <a:spcPts val="0"/>
-              </a:spcBef>
-              <a:spcAft>
-                <a:spcPts val="0"/>
-              </a:spcAft>
-              <a:buSzPts val="1400"/>
-              <a:buAutoNum type="arabicPeriod"/>
-            </a:pPr>
-            <a:r>
-              <a:rPr lang="en" sz="1400" u="sng">
-                <a:solidFill>
-                  <a:schemeClr val="accent4"/>
-                </a:solidFill>
-                <a:hlinkClick r:id="rId3">
-                  <a:extLst>
-                    <a:ext uri="{A12FA001-AC4F-418D-AE19-62706E023703}">
-                      <ahyp:hlinkClr val="tx"/>
-                    </a:ext>
-                  </a:extLst>
-                </a:hlinkClick>
-              </a:rPr>
-              <a:t>National Park Service (NPS) API</a:t>
-            </a:r>
-            <a:endParaRPr sz="1400">
-              <a:solidFill>
-                <a:schemeClr val="dk1"/>
-              </a:solidFill>
-            </a:endParaRPr>
-          </a:p>
-          <a:p>
-            <a:pPr indent="-317500" lvl="1" marL="914400" rtl="0" algn="l">
-              <a:spcBef>
-                <a:spcPts val="0"/>
-              </a:spcBef>
-              <a:spcAft>
-                <a:spcPts val="0"/>
-              </a:spcAft>
-              <a:buClr>
-                <a:schemeClr val="dk1"/>
-              </a:buClr>
-              <a:buSzPts val="1400"/>
-              <a:buAutoNum type="alphaLcPeriod"/>
-            </a:pPr>
-            <a:r>
-              <a:rPr lang="en">
-                <a:solidFill>
-                  <a:schemeClr val="dk1"/>
-                </a:solidFill>
-              </a:rPr>
-              <a:t>Issues with Lat and Long data: 3 locations did not include the (-) symbol for the longitude - Tamarack Flat Campground, Bridalveil Creek, NPS Priest Rock Public use cabin</a:t>
-            </a:r>
-            <a:endParaRPr>
-              <a:solidFill>
-                <a:schemeClr val="dk1"/>
-              </a:solidFill>
-            </a:endParaRPr>
-          </a:p>
-          <a:p>
-            <a:pPr indent="-317500" lvl="1" marL="914400" rtl="0" algn="l">
-              <a:spcBef>
-                <a:spcPts val="0"/>
-              </a:spcBef>
-              <a:spcAft>
-                <a:spcPts val="0"/>
-              </a:spcAft>
-              <a:buClr>
-                <a:schemeClr val="dk1"/>
-              </a:buClr>
-              <a:buSzPts val="1400"/>
-              <a:buAutoNum type="alphaLcPeriod"/>
-            </a:pPr>
-            <a:r>
-              <a:rPr lang="en">
-                <a:solidFill>
-                  <a:schemeClr val="dk1"/>
-                </a:solidFill>
-              </a:rPr>
-              <a:t>Reached out to NPS via email, no response</a:t>
-            </a:r>
-            <a:endParaRPr>
-              <a:solidFill>
-                <a:schemeClr val="dk1"/>
-              </a:solidFill>
-            </a:endParaRPr>
-          </a:p>
-          <a:p>
-            <a:pPr indent="-317500" lvl="0" marL="457200" rtl="0" algn="l">
-              <a:spcBef>
-                <a:spcPts val="0"/>
-              </a:spcBef>
-              <a:spcAft>
-                <a:spcPts val="0"/>
-              </a:spcAft>
-              <a:buSzPts val="1400"/>
-              <a:buAutoNum type="arabicPeriod"/>
-            </a:pPr>
-            <a:r>
-              <a:rPr lang="en" sz="1400" u="sng">
-                <a:solidFill>
-                  <a:schemeClr val="accent4"/>
-                </a:solidFill>
-                <a:hlinkClick r:id="rId4">
-                  <a:extLst>
-                    <a:ext uri="{A12FA001-AC4F-418D-AE19-62706E023703}">
-                      <ahyp:hlinkClr val="tx"/>
-                    </a:ext>
-                  </a:extLst>
-                </a:hlinkClick>
-              </a:rPr>
-              <a:t>National Interagency Fire Center</a:t>
-            </a:r>
-            <a:endParaRPr>
-              <a:solidFill>
-                <a:schemeClr val="dk1"/>
-              </a:solidFill>
-            </a:endParaRPr>
-          </a:p>
-          <a:p>
-            <a:pPr indent="-317500" lvl="1" marL="914400" rtl="0" algn="l">
-              <a:spcBef>
-                <a:spcPts val="0"/>
-              </a:spcBef>
-              <a:spcAft>
-                <a:spcPts val="0"/>
-              </a:spcAft>
-              <a:buClr>
-                <a:schemeClr val="dk1"/>
-              </a:buClr>
-              <a:buSzPts val="1400"/>
-              <a:buAutoNum type="alphaLcPeriod"/>
-            </a:pPr>
-            <a:r>
-              <a:rPr lang="en">
-                <a:solidFill>
-                  <a:schemeClr val="dk1"/>
-                </a:solidFill>
-              </a:rPr>
-              <a:t>Renaming of columns</a:t>
-            </a:r>
-            <a:endParaRPr>
-              <a:solidFill>
-                <a:schemeClr val="dk1"/>
-              </a:solidFill>
-            </a:endParaRPr>
-          </a:p>
-          <a:p>
-            <a:pPr indent="-317500" lvl="1" marL="914400" rtl="0" algn="l">
-              <a:spcBef>
-                <a:spcPts val="0"/>
-              </a:spcBef>
-              <a:spcAft>
-                <a:spcPts val="0"/>
-              </a:spcAft>
-              <a:buClr>
-                <a:schemeClr val="dk1"/>
-              </a:buClr>
-              <a:buSzPts val="1400"/>
-              <a:buAutoNum type="alphaLcPeriod"/>
-            </a:pPr>
-            <a:r>
-              <a:rPr lang="en">
-                <a:solidFill>
-                  <a:schemeClr val="dk1"/>
-                </a:solidFill>
-              </a:rPr>
-              <a:t>Latitude and Longitude were mixed up, had to create a Postgres table that made it more intuitive to read in data</a:t>
-            </a:r>
-            <a:endParaRPr>
-              <a:solidFill>
-                <a:schemeClr val="dk1"/>
-              </a:solidFill>
-            </a:endParaRPr>
-          </a:p>
-          <a:p>
-            <a:pPr indent="-317500" lvl="1" marL="914400" rtl="0" algn="l">
-              <a:spcBef>
-                <a:spcPts val="0"/>
-              </a:spcBef>
-              <a:spcAft>
-                <a:spcPts val="0"/>
-              </a:spcAft>
-              <a:buClr>
-                <a:schemeClr val="dk1"/>
-              </a:buClr>
-              <a:buSzPts val="1400"/>
-              <a:buAutoNum type="alphaLcPeriod"/>
-            </a:pPr>
-            <a:r>
-              <a:rPr lang="en">
-                <a:solidFill>
-                  <a:schemeClr val="dk1"/>
-                </a:solidFill>
-              </a:rPr>
-              <a:t>Creating a JSON object from the Postgres Database using JSONIFY</a:t>
-            </a:r>
-            <a:endParaRPr>
-              <a:solidFill>
-                <a:schemeClr val="dk1"/>
-              </a:solidFill>
-            </a:endParaRPr>
-          </a:p>
-          <a:p>
-            <a:pPr indent="0" lvl="0" marL="0" rtl="0" algn="l">
-              <a:spcBef>
-                <a:spcPts val="0"/>
-              </a:spcBef>
-              <a:spcAft>
-                <a:spcPts val="0"/>
-              </a:spcAft>
-              <a:buNone/>
-            </a:pPr>
-            <a:r>
-              <a:t/>
-            </a:r>
-            <a:endParaRPr/>
-          </a:p>
-        </p:txBody>
-      </p:sp>
-    </p:spTree>
-  </p:cSld>
-  <p:clrMapOvr>
-    <a:masterClrMapping/>
-  </p:clrMapOvr>
-</p:sld>
-</file>
-
-<file path=ppt/slides/slide5.xml><?xml version="1.0" encoding="utf-8"?>
-<p:sld xmlns:a="http://schemas.openxmlformats.org/drawingml/2006/main" xmlns:r="http://schemas.openxmlformats.org/officeDocument/2006/relationships" xmlns:mc="http://schemas.openxmlformats.org/markup-compatibility/2006" xmlns:mv="urn:schemas-microsoft-com:mac:vml" xmlns:p="http://schemas.openxmlformats.org/presentationml/2006/main" xmlns:c="http://schemas.openxmlformats.org/drawingml/2006/chart" xmlns:dgm="http://schemas.openxmlformats.org/drawingml/2006/diagram" xmlns:o="urn:schemas-microsoft-com:office:office" xmlns:v="urn:schemas-microsoft-com:vml" xmlns:pvml="urn:schemas-microsoft-com:office:powerpoint" xmlns:com="http://schemas.openxmlformats.org/drawingml/2006/compatibility" xmlns:p14="http://schemas.microsoft.com/office/powerpoint/2010/main" xmlns:p15="http://schemas.microsoft.com/office/powerpoint/2012/main" xmlns:ahyp="http://schemas.microsoft.com/office/drawing/2018/hyperlinkcolor">
-  <p:cSld>
-    <p:spTree>
-      <p:nvGrpSpPr>
-        <p:cNvPr id="289" name="Shape 289"/>
-        <p:cNvGrpSpPr/>
-        <p:nvPr/>
-      </p:nvGrpSpPr>
-      <p:grpSpPr>
-        <a:xfrm>
-          <a:off x="0" y="0"/>
-          <a:ext cx="0" cy="0"/>
-          <a:chOff x="0" y="0"/>
-          <a:chExt cx="0" cy="0"/>
-        </a:xfrm>
-      </p:grpSpPr>
       <p:grpSp>
         <p:nvGrpSpPr>
-          <p:cNvPr id="290" name="Google Shape;290;p38"/>
+          <p:cNvPr id="262" name="Google Shape;262;p35"/>
           <p:cNvGrpSpPr/>
           <p:nvPr/>
         </p:nvGrpSpPr>
@@ -28927,7 +27920,7 @@
         </p:grpSpPr>
         <p:sp>
           <p:nvSpPr>
-            <p:cNvPr id="291" name="Google Shape;291;p38"/>
+            <p:cNvPr id="263" name="Google Shape;263;p35"/>
             <p:cNvSpPr/>
             <p:nvPr/>
           </p:nvSpPr>
@@ -28970,7 +27963,7 @@
         </p:sp>
         <p:sp>
           <p:nvSpPr>
-            <p:cNvPr id="292" name="Google Shape;292;p38"/>
+            <p:cNvPr id="264" name="Google Shape;264;p35"/>
             <p:cNvSpPr/>
             <p:nvPr/>
           </p:nvSpPr>
@@ -29020,7 +28013,7 @@
       </p:grpSp>
       <p:sp>
         <p:nvSpPr>
-          <p:cNvPr id="293" name="Google Shape;293;p38"/>
+          <p:cNvPr id="265" name="Google Shape;265;p35"/>
           <p:cNvSpPr txBox="1"/>
           <p:nvPr>
             <p:ph type="title"/>
@@ -29060,7 +28053,7 @@
       </p:sp>
       <p:sp>
         <p:nvSpPr>
-          <p:cNvPr id="294" name="Google Shape;294;p38"/>
+          <p:cNvPr id="266" name="Google Shape;266;p35"/>
           <p:cNvSpPr txBox="1"/>
           <p:nvPr>
             <p:ph idx="4294967295" type="body"/>
@@ -29115,7 +28108,7 @@
       </p:sp>
       <p:grpSp>
         <p:nvGrpSpPr>
-          <p:cNvPr id="295" name="Google Shape;295;p38"/>
+          <p:cNvPr id="267" name="Google Shape;267;p35"/>
           <p:cNvGrpSpPr/>
           <p:nvPr/>
         </p:nvGrpSpPr>
@@ -29129,7 +28122,7 @@
         </p:grpSpPr>
         <p:grpSp>
           <p:nvGrpSpPr>
-            <p:cNvPr id="296" name="Google Shape;296;p38"/>
+            <p:cNvPr id="268" name="Google Shape;268;p35"/>
             <p:cNvGrpSpPr/>
             <p:nvPr/>
           </p:nvGrpSpPr>
@@ -29143,7 +28136,7 @@
           </p:grpSpPr>
           <p:sp>
             <p:nvSpPr>
-              <p:cNvPr id="297" name="Google Shape;297;p38"/>
+              <p:cNvPr id="269" name="Google Shape;269;p35"/>
               <p:cNvSpPr/>
               <p:nvPr/>
             </p:nvSpPr>
@@ -29201,7 +28194,7 @@
           </p:sp>
           <p:sp>
             <p:nvSpPr>
-              <p:cNvPr id="298" name="Google Shape;298;p38"/>
+              <p:cNvPr id="270" name="Google Shape;270;p35"/>
               <p:cNvSpPr/>
               <p:nvPr/>
             </p:nvSpPr>
@@ -31550,7 +30543,7 @@
           </p:sp>
           <p:sp>
             <p:nvSpPr>
-              <p:cNvPr id="299" name="Google Shape;299;p38"/>
+              <p:cNvPr id="271" name="Google Shape;271;p35"/>
               <p:cNvSpPr/>
               <p:nvPr/>
             </p:nvSpPr>
@@ -31886,7 +30879,7 @@
           </p:sp>
           <p:sp>
             <p:nvSpPr>
-              <p:cNvPr id="300" name="Google Shape;300;p38"/>
+              <p:cNvPr id="272" name="Google Shape;272;p35"/>
               <p:cNvSpPr/>
               <p:nvPr/>
             </p:nvSpPr>
@@ -32142,7 +31135,7 @@
           </p:sp>
           <p:sp>
             <p:nvSpPr>
-              <p:cNvPr id="301" name="Google Shape;301;p38"/>
+              <p:cNvPr id="273" name="Google Shape;273;p35"/>
               <p:cNvSpPr/>
               <p:nvPr/>
             </p:nvSpPr>
@@ -32283,7 +31276,7 @@
           </p:sp>
           <p:sp>
             <p:nvSpPr>
-              <p:cNvPr id="302" name="Google Shape;302;p38"/>
+              <p:cNvPr id="274" name="Google Shape;274;p35"/>
               <p:cNvSpPr/>
               <p:nvPr/>
             </p:nvSpPr>
@@ -32465,7 +31458,7 @@
           </p:sp>
           <p:sp>
             <p:nvSpPr>
-              <p:cNvPr id="303" name="Google Shape;303;p38"/>
+              <p:cNvPr id="275" name="Google Shape;275;p35"/>
               <p:cNvSpPr/>
               <p:nvPr/>
             </p:nvSpPr>
@@ -32566,7 +31559,7 @@
           </p:sp>
           <p:sp>
             <p:nvSpPr>
-              <p:cNvPr id="304" name="Google Shape;304;p38"/>
+              <p:cNvPr id="276" name="Google Shape;276;p35"/>
               <p:cNvSpPr/>
               <p:nvPr/>
             </p:nvSpPr>
@@ -32737,7 +31730,7 @@
           </p:sp>
           <p:sp>
             <p:nvSpPr>
-              <p:cNvPr id="305" name="Google Shape;305;p38"/>
+              <p:cNvPr id="277" name="Google Shape;277;p35"/>
               <p:cNvSpPr/>
               <p:nvPr/>
             </p:nvSpPr>
@@ -32903,7 +31896,7 @@
           </p:sp>
           <p:sp>
             <p:nvSpPr>
-              <p:cNvPr id="306" name="Google Shape;306;p38"/>
+              <p:cNvPr id="278" name="Google Shape;278;p35"/>
               <p:cNvSpPr/>
               <p:nvPr/>
             </p:nvSpPr>
@@ -33126,7 +32119,7 @@
           </p:sp>
           <p:sp>
             <p:nvSpPr>
-              <p:cNvPr id="307" name="Google Shape;307;p38"/>
+              <p:cNvPr id="279" name="Google Shape;279;p35"/>
               <p:cNvSpPr/>
               <p:nvPr/>
             </p:nvSpPr>
@@ -33302,7 +32295,7 @@
           </p:sp>
           <p:sp>
             <p:nvSpPr>
-              <p:cNvPr id="308" name="Google Shape;308;p38"/>
+              <p:cNvPr id="280" name="Google Shape;280;p35"/>
               <p:cNvSpPr/>
               <p:nvPr/>
             </p:nvSpPr>
@@ -33403,7 +32396,7 @@
           </p:sp>
           <p:sp>
             <p:nvSpPr>
-              <p:cNvPr id="309" name="Google Shape;309;p38"/>
+              <p:cNvPr id="281" name="Google Shape;281;p35"/>
               <p:cNvSpPr/>
               <p:nvPr/>
             </p:nvSpPr>
@@ -33522,7 +32515,7 @@
           </p:sp>
           <p:sp>
             <p:nvSpPr>
-              <p:cNvPr id="310" name="Google Shape;310;p38"/>
+              <p:cNvPr id="282" name="Google Shape;282;p35"/>
               <p:cNvSpPr/>
               <p:nvPr/>
             </p:nvSpPr>
@@ -33598,7 +32591,7 @@
           </p:sp>
           <p:sp>
             <p:nvSpPr>
-              <p:cNvPr id="311" name="Google Shape;311;p38"/>
+              <p:cNvPr id="283" name="Google Shape;283;p35"/>
               <p:cNvSpPr/>
               <p:nvPr/>
             </p:nvSpPr>
@@ -33750,7 +32743,7 @@
           </p:sp>
           <p:sp>
             <p:nvSpPr>
-              <p:cNvPr id="312" name="Google Shape;312;p38"/>
+              <p:cNvPr id="284" name="Google Shape;284;p35"/>
               <p:cNvSpPr/>
               <p:nvPr/>
             </p:nvSpPr>
@@ -33871,7 +32864,7 @@
           </p:sp>
           <p:sp>
             <p:nvSpPr>
-              <p:cNvPr id="313" name="Google Shape;313;p38"/>
+              <p:cNvPr id="285" name="Google Shape;285;p35"/>
               <p:cNvSpPr/>
               <p:nvPr/>
             </p:nvSpPr>
@@ -33957,7 +32950,7 @@
           </p:sp>
           <p:sp>
             <p:nvSpPr>
-              <p:cNvPr id="314" name="Google Shape;314;p38"/>
+              <p:cNvPr id="286" name="Google Shape;286;p35"/>
               <p:cNvSpPr/>
               <p:nvPr/>
             </p:nvSpPr>
@@ -34036,7 +33029,7 @@
           </p:sp>
           <p:sp>
             <p:nvSpPr>
-              <p:cNvPr id="315" name="Google Shape;315;p38"/>
+              <p:cNvPr id="287" name="Google Shape;287;p35"/>
               <p:cNvSpPr/>
               <p:nvPr/>
             </p:nvSpPr>
@@ -34122,7 +33115,7 @@
           </p:sp>
           <p:sp>
             <p:nvSpPr>
-              <p:cNvPr id="316" name="Google Shape;316;p38"/>
+              <p:cNvPr id="288" name="Google Shape;288;p35"/>
               <p:cNvSpPr/>
               <p:nvPr/>
             </p:nvSpPr>
@@ -34221,7 +33214,7 @@
           </p:sp>
           <p:sp>
             <p:nvSpPr>
-              <p:cNvPr id="317" name="Google Shape;317;p38"/>
+              <p:cNvPr id="289" name="Google Shape;289;p35"/>
               <p:cNvSpPr/>
               <p:nvPr/>
             </p:nvSpPr>
@@ -34320,7 +33313,7 @@
           </p:sp>
           <p:sp>
             <p:nvSpPr>
-              <p:cNvPr id="318" name="Google Shape;318;p38"/>
+              <p:cNvPr id="290" name="Google Shape;290;p35"/>
               <p:cNvSpPr/>
               <p:nvPr/>
             </p:nvSpPr>
@@ -34401,7 +33394,7 @@
           </p:sp>
           <p:sp>
             <p:nvSpPr>
-              <p:cNvPr id="319" name="Google Shape;319;p38"/>
+              <p:cNvPr id="291" name="Google Shape;291;p35"/>
               <p:cNvSpPr/>
               <p:nvPr/>
             </p:nvSpPr>
@@ -34487,7 +33480,7 @@
           </p:sp>
           <p:sp>
             <p:nvSpPr>
-              <p:cNvPr id="320" name="Google Shape;320;p38"/>
+              <p:cNvPr id="292" name="Google Shape;292;p35"/>
               <p:cNvSpPr/>
               <p:nvPr/>
             </p:nvSpPr>
@@ -34571,7 +33564,7 @@
           </p:sp>
           <p:sp>
             <p:nvSpPr>
-              <p:cNvPr id="321" name="Google Shape;321;p38"/>
+              <p:cNvPr id="293" name="Google Shape;293;p35"/>
               <p:cNvSpPr/>
               <p:nvPr/>
             </p:nvSpPr>
@@ -34652,7 +33645,7 @@
           </p:sp>
           <p:sp>
             <p:nvSpPr>
-              <p:cNvPr id="322" name="Google Shape;322;p38"/>
+              <p:cNvPr id="294" name="Google Shape;294;p35"/>
               <p:cNvSpPr/>
               <p:nvPr/>
             </p:nvSpPr>
@@ -34733,7 +33726,7 @@
           </p:sp>
           <p:sp>
             <p:nvSpPr>
-              <p:cNvPr id="323" name="Google Shape;323;p38"/>
+              <p:cNvPr id="295" name="Google Shape;295;p35"/>
               <p:cNvSpPr/>
               <p:nvPr/>
             </p:nvSpPr>
@@ -34809,7 +33802,7 @@
           </p:sp>
           <p:sp>
             <p:nvSpPr>
-              <p:cNvPr id="324" name="Google Shape;324;p38"/>
+              <p:cNvPr id="296" name="Google Shape;296;p35"/>
               <p:cNvSpPr/>
               <p:nvPr/>
             </p:nvSpPr>
@@ -34905,7 +33898,7 @@
           </p:sp>
           <p:sp>
             <p:nvSpPr>
-              <p:cNvPr id="325" name="Google Shape;325;p38"/>
+              <p:cNvPr id="297" name="Google Shape;297;p35"/>
               <p:cNvSpPr/>
               <p:nvPr/>
             </p:nvSpPr>
@@ -34986,7 +33979,7 @@
           </p:sp>
           <p:sp>
             <p:nvSpPr>
-              <p:cNvPr id="326" name="Google Shape;326;p38"/>
+              <p:cNvPr id="298" name="Google Shape;298;p35"/>
               <p:cNvSpPr/>
               <p:nvPr/>
             </p:nvSpPr>
@@ -35082,7 +34075,7 @@
           </p:sp>
           <p:sp>
             <p:nvSpPr>
-              <p:cNvPr id="327" name="Google Shape;327;p38"/>
+              <p:cNvPr id="299" name="Google Shape;299;p35"/>
               <p:cNvSpPr/>
               <p:nvPr/>
             </p:nvSpPr>
@@ -35158,7 +34151,7 @@
           </p:sp>
           <p:sp>
             <p:nvSpPr>
-              <p:cNvPr id="328" name="Google Shape;328;p38"/>
+              <p:cNvPr id="300" name="Google Shape;300;p35"/>
               <p:cNvSpPr/>
               <p:nvPr/>
             </p:nvSpPr>
@@ -35231,7 +34224,7 @@
           </p:sp>
           <p:sp>
             <p:nvSpPr>
-              <p:cNvPr id="329" name="Google Shape;329;p38"/>
+              <p:cNvPr id="301" name="Google Shape;301;p35"/>
               <p:cNvSpPr/>
               <p:nvPr/>
             </p:nvSpPr>
@@ -37434,7 +36427,7 @@
           </p:sp>
           <p:sp>
             <p:nvSpPr>
-              <p:cNvPr id="330" name="Google Shape;330;p38"/>
+              <p:cNvPr id="302" name="Google Shape;302;p35"/>
               <p:cNvSpPr/>
               <p:nvPr/>
             </p:nvSpPr>
@@ -37570,7 +36563,7 @@
           </p:sp>
           <p:sp>
             <p:nvSpPr>
-              <p:cNvPr id="331" name="Google Shape;331;p38"/>
+              <p:cNvPr id="303" name="Google Shape;303;p35"/>
               <p:cNvSpPr/>
               <p:nvPr/>
             </p:nvSpPr>
@@ -37666,7 +36659,7 @@
           </p:sp>
           <p:sp>
             <p:nvSpPr>
-              <p:cNvPr id="332" name="Google Shape;332;p38"/>
+              <p:cNvPr id="304" name="Google Shape;304;p35"/>
               <p:cNvSpPr/>
               <p:nvPr/>
             </p:nvSpPr>
@@ -37782,7 +36775,7 @@
           </p:sp>
           <p:sp>
             <p:nvSpPr>
-              <p:cNvPr id="333" name="Google Shape;333;p38"/>
+              <p:cNvPr id="305" name="Google Shape;305;p35"/>
               <p:cNvSpPr/>
               <p:nvPr/>
             </p:nvSpPr>
@@ -37901,7 +36894,7 @@
           </p:sp>
           <p:sp>
             <p:nvSpPr>
-              <p:cNvPr id="334" name="Google Shape;334;p38"/>
+              <p:cNvPr id="306" name="Google Shape;306;p35"/>
               <p:cNvSpPr/>
               <p:nvPr/>
             </p:nvSpPr>
@@ -37992,7 +36985,7 @@
           </p:sp>
           <p:sp>
             <p:nvSpPr>
-              <p:cNvPr id="335" name="Google Shape;335;p38"/>
+              <p:cNvPr id="307" name="Google Shape;307;p35"/>
               <p:cNvSpPr/>
               <p:nvPr/>
             </p:nvSpPr>
@@ -38091,7 +37084,7 @@
           </p:sp>
           <p:sp>
             <p:nvSpPr>
-              <p:cNvPr id="336" name="Google Shape;336;p38"/>
+              <p:cNvPr id="308" name="Google Shape;308;p35"/>
               <p:cNvSpPr/>
               <p:nvPr/>
             </p:nvSpPr>
@@ -38177,7 +37170,7 @@
           </p:sp>
           <p:sp>
             <p:nvSpPr>
-              <p:cNvPr id="337" name="Google Shape;337;p38"/>
+              <p:cNvPr id="309" name="Google Shape;309;p35"/>
               <p:cNvSpPr/>
               <p:nvPr/>
             </p:nvSpPr>
@@ -38258,7 +37251,7 @@
           </p:sp>
           <p:sp>
             <p:nvSpPr>
-              <p:cNvPr id="338" name="Google Shape;338;p38"/>
+              <p:cNvPr id="310" name="Google Shape;310;p35"/>
               <p:cNvSpPr/>
               <p:nvPr/>
             </p:nvSpPr>
@@ -38344,7 +37337,7 @@
           </p:sp>
           <p:sp>
             <p:nvSpPr>
-              <p:cNvPr id="339" name="Google Shape;339;p38"/>
+              <p:cNvPr id="311" name="Google Shape;311;p35"/>
               <p:cNvSpPr/>
               <p:nvPr/>
             </p:nvSpPr>
@@ -38420,7 +37413,7 @@
           </p:sp>
           <p:sp>
             <p:nvSpPr>
-              <p:cNvPr id="340" name="Google Shape;340;p38"/>
+              <p:cNvPr id="312" name="Google Shape;312;p35"/>
               <p:cNvSpPr/>
               <p:nvPr/>
             </p:nvSpPr>
@@ -38501,7 +37494,7 @@
           </p:sp>
           <p:sp>
             <p:nvSpPr>
-              <p:cNvPr id="341" name="Google Shape;341;p38"/>
+              <p:cNvPr id="313" name="Google Shape;313;p35"/>
               <p:cNvSpPr/>
               <p:nvPr/>
             </p:nvSpPr>
@@ -38582,7 +37575,7 @@
           </p:sp>
           <p:sp>
             <p:nvSpPr>
-              <p:cNvPr id="342" name="Google Shape;342;p38"/>
+              <p:cNvPr id="314" name="Google Shape;314;p35"/>
               <p:cNvSpPr/>
               <p:nvPr/>
             </p:nvSpPr>
@@ -38658,7 +37651,7 @@
           </p:sp>
           <p:sp>
             <p:nvSpPr>
-              <p:cNvPr id="343" name="Google Shape;343;p38"/>
+              <p:cNvPr id="315" name="Google Shape;315;p35"/>
               <p:cNvSpPr/>
               <p:nvPr/>
             </p:nvSpPr>
@@ -38734,7 +37727,7 @@
           </p:sp>
           <p:sp>
             <p:nvSpPr>
-              <p:cNvPr id="344" name="Google Shape;344;p38"/>
+              <p:cNvPr id="316" name="Google Shape;316;p35"/>
               <p:cNvSpPr/>
               <p:nvPr/>
             </p:nvSpPr>
@@ -38815,7 +37808,7 @@
           </p:sp>
           <p:sp>
             <p:nvSpPr>
-              <p:cNvPr id="345" name="Google Shape;345;p38"/>
+              <p:cNvPr id="317" name="Google Shape;317;p35"/>
               <p:cNvSpPr/>
               <p:nvPr/>
             </p:nvSpPr>
@@ -38896,7 +37889,7 @@
           </p:sp>
           <p:sp>
             <p:nvSpPr>
-              <p:cNvPr id="346" name="Google Shape;346;p38"/>
+              <p:cNvPr id="318" name="Google Shape;318;p35"/>
               <p:cNvSpPr/>
               <p:nvPr/>
             </p:nvSpPr>
@@ -38977,7 +37970,7 @@
           </p:sp>
           <p:sp>
             <p:nvSpPr>
-              <p:cNvPr id="347" name="Google Shape;347;p38"/>
+              <p:cNvPr id="319" name="Google Shape;319;p35"/>
               <p:cNvSpPr/>
               <p:nvPr/>
             </p:nvSpPr>
@@ -39059,7 +38052,7 @@
         </p:grpSp>
         <p:sp>
           <p:nvSpPr>
-            <p:cNvPr id="348" name="Google Shape;348;p38"/>
+            <p:cNvPr id="320" name="Google Shape;320;p35"/>
             <p:cNvSpPr/>
             <p:nvPr/>
           </p:nvSpPr>
@@ -39160,7 +38153,7 @@
         </p:sp>
         <p:sp>
           <p:nvSpPr>
-            <p:cNvPr id="349" name="Google Shape;349;p38"/>
+            <p:cNvPr id="321" name="Google Shape;321;p35"/>
             <p:cNvSpPr/>
             <p:nvPr/>
           </p:nvSpPr>
@@ -39261,7 +38254,7 @@
         </p:sp>
         <p:sp>
           <p:nvSpPr>
-            <p:cNvPr id="350" name="Google Shape;350;p38"/>
+            <p:cNvPr id="322" name="Google Shape;322;p35"/>
             <p:cNvSpPr/>
             <p:nvPr/>
           </p:nvSpPr>
@@ -39361,6 +38354,1260 @@
           </p:txBody>
         </p:sp>
       </p:grpSp>
+    </p:spTree>
+  </p:cSld>
+  <p:clrMapOvr>
+    <a:masterClrMapping/>
+  </p:clrMapOvr>
+</p:sld>
+</file>
+
+<file path=ppt/slides/slide3.xml><?xml version="1.0" encoding="utf-8"?>
+<p:sld xmlns:a="http://schemas.openxmlformats.org/drawingml/2006/main" xmlns:r="http://schemas.openxmlformats.org/officeDocument/2006/relationships" xmlns:mc="http://schemas.openxmlformats.org/markup-compatibility/2006" xmlns:mv="urn:schemas-microsoft-com:mac:vml" xmlns:p="http://schemas.openxmlformats.org/presentationml/2006/main" xmlns:c="http://schemas.openxmlformats.org/drawingml/2006/chart" xmlns:dgm="http://schemas.openxmlformats.org/drawingml/2006/diagram" xmlns:o="urn:schemas-microsoft-com:office:office" xmlns:v="urn:schemas-microsoft-com:vml" xmlns:pvml="urn:schemas-microsoft-com:office:powerpoint" xmlns:com="http://schemas.openxmlformats.org/drawingml/2006/compatibility" xmlns:p14="http://schemas.microsoft.com/office/powerpoint/2010/main" xmlns:p15="http://schemas.microsoft.com/office/powerpoint/2012/main" xmlns:ahyp="http://schemas.microsoft.com/office/drawing/2018/hyperlinkcolor">
+  <p:cSld>
+    <p:spTree>
+      <p:nvGrpSpPr>
+        <p:cNvPr id="326" name="Shape 326"/>
+        <p:cNvGrpSpPr/>
+        <p:nvPr/>
+      </p:nvGrpSpPr>
+      <p:grpSpPr>
+        <a:xfrm>
+          <a:off x="0" y="0"/>
+          <a:ext cx="0" cy="0"/>
+          <a:chOff x="0" y="0"/>
+          <a:chExt cx="0" cy="0"/>
+        </a:xfrm>
+      </p:grpSpPr>
+      <p:sp>
+        <p:nvSpPr>
+          <p:cNvPr id="327" name="Google Shape;327;p36"/>
+          <p:cNvSpPr txBox="1"/>
+          <p:nvPr>
+            <p:ph type="title"/>
+          </p:nvPr>
+        </p:nvSpPr>
+        <p:spPr>
+          <a:xfrm>
+            <a:off x="583849" y="489050"/>
+            <a:ext cx="7968600" cy="572700"/>
+          </a:xfrm>
+          <a:prstGeom prst="rect">
+            <a:avLst/>
+          </a:prstGeom>
+        </p:spPr>
+        <p:txBody>
+          <a:bodyPr anchorCtr="0" anchor="t" bIns="91425" lIns="91425" spcFirstLastPara="1" rIns="91425" wrap="square" tIns="91425">
+            <a:noAutofit/>
+          </a:bodyPr>
+          <a:lstStyle/>
+          <a:p>
+            <a:pPr indent="0" lvl="0" marL="0" rtl="0" algn="l">
+              <a:spcBef>
+                <a:spcPts val="0"/>
+              </a:spcBef>
+              <a:spcAft>
+                <a:spcPts val="0"/>
+              </a:spcAft>
+              <a:buNone/>
+            </a:pPr>
+            <a:r>
+              <a:rPr lang="en" sz="4500"/>
+              <a:t>Data Collection</a:t>
+            </a:r>
+            <a:endParaRPr sz="4500"/>
+          </a:p>
+        </p:txBody>
+      </p:sp>
+      <p:sp>
+        <p:nvSpPr>
+          <p:cNvPr id="328" name="Google Shape;328;p36"/>
+          <p:cNvSpPr txBox="1"/>
+          <p:nvPr>
+            <p:ph idx="1" type="body"/>
+          </p:nvPr>
+        </p:nvSpPr>
+        <p:spPr>
+          <a:xfrm>
+            <a:off x="614425" y="1370125"/>
+            <a:ext cx="7919400" cy="2831100"/>
+          </a:xfrm>
+          <a:prstGeom prst="rect">
+            <a:avLst/>
+          </a:prstGeom>
+        </p:spPr>
+        <p:txBody>
+          <a:bodyPr anchorCtr="0" anchor="t" bIns="91425" lIns="91425" spcFirstLastPara="1" rIns="91425" wrap="square" tIns="91425">
+            <a:noAutofit/>
+          </a:bodyPr>
+          <a:lstStyle/>
+          <a:p>
+            <a:pPr indent="0" lvl="0" marL="0" rtl="0" algn="l">
+              <a:spcBef>
+                <a:spcPts val="0"/>
+              </a:spcBef>
+              <a:spcAft>
+                <a:spcPts val="0"/>
+              </a:spcAft>
+              <a:buNone/>
+            </a:pPr>
+            <a:r>
+              <a:rPr b="1" lang="en" sz="1400" u="sng">
+                <a:solidFill>
+                  <a:schemeClr val="hlink"/>
+                </a:solidFill>
+                <a:hlinkClick r:id="rId3"/>
+              </a:rPr>
+              <a:t>National Park Service (NPS) API</a:t>
+            </a:r>
+            <a:endParaRPr b="1" sz="1400"/>
+          </a:p>
+          <a:p>
+            <a:pPr indent="-317500" lvl="0" marL="1371600" rtl="0" algn="l">
+              <a:spcBef>
+                <a:spcPts val="0"/>
+              </a:spcBef>
+              <a:spcAft>
+                <a:spcPts val="0"/>
+              </a:spcAft>
+              <a:buSzPts val="1400"/>
+              <a:buChar char="●"/>
+            </a:pPr>
+            <a:r>
+              <a:rPr lang="en" sz="1400"/>
+              <a:t>National Parks</a:t>
+            </a:r>
+            <a:endParaRPr sz="1400"/>
+          </a:p>
+          <a:p>
+            <a:pPr indent="-317500" lvl="1" marL="1828800" rtl="0" algn="l">
+              <a:spcBef>
+                <a:spcPts val="0"/>
+              </a:spcBef>
+              <a:spcAft>
+                <a:spcPts val="0"/>
+              </a:spcAft>
+              <a:buSzPts val="1400"/>
+              <a:buChar char="○"/>
+            </a:pPr>
+            <a:r>
+              <a:rPr lang="en"/>
+              <a:t>Latitude, Longitude, Name, Description, Designation (Type of Park), and Park URL</a:t>
+            </a:r>
+            <a:endParaRPr sz="1400"/>
+          </a:p>
+          <a:p>
+            <a:pPr indent="-317500" lvl="0" marL="1371600" rtl="0" algn="l">
+              <a:spcBef>
+                <a:spcPts val="0"/>
+              </a:spcBef>
+              <a:spcAft>
+                <a:spcPts val="0"/>
+              </a:spcAft>
+              <a:buSzPts val="1400"/>
+              <a:buChar char="●"/>
+            </a:pPr>
+            <a:r>
+              <a:rPr lang="en" sz="1400"/>
+              <a:t>Campgrounds</a:t>
+            </a:r>
+            <a:endParaRPr sz="1400"/>
+          </a:p>
+          <a:p>
+            <a:pPr indent="-317500" lvl="1" marL="1828800" rtl="0" algn="l">
+              <a:spcBef>
+                <a:spcPts val="0"/>
+              </a:spcBef>
+              <a:spcAft>
+                <a:spcPts val="0"/>
+              </a:spcAft>
+              <a:buClr>
+                <a:schemeClr val="dk1"/>
+              </a:buClr>
+              <a:buSzPts val="1400"/>
+              <a:buChar char="○"/>
+            </a:pPr>
+            <a:r>
+              <a:rPr lang="en">
+                <a:solidFill>
+                  <a:schemeClr val="dk1"/>
+                </a:solidFill>
+              </a:rPr>
+              <a:t>Latitude, Longitude, Name, Description, Reservation Information, Reservation URL</a:t>
+            </a:r>
+            <a:endParaRPr/>
+          </a:p>
+          <a:p>
+            <a:pPr indent="0" lvl="0" marL="0" rtl="0" algn="l">
+              <a:spcBef>
+                <a:spcPts val="0"/>
+              </a:spcBef>
+              <a:spcAft>
+                <a:spcPts val="0"/>
+              </a:spcAft>
+              <a:buNone/>
+            </a:pPr>
+            <a:r>
+              <a:rPr b="1" lang="en" sz="1400" u="sng">
+                <a:solidFill>
+                  <a:schemeClr val="hlink"/>
+                </a:solidFill>
+                <a:hlinkClick r:id="rId4"/>
+              </a:rPr>
+              <a:t>National Interagency Fire Center</a:t>
+            </a:r>
+            <a:endParaRPr b="1"/>
+          </a:p>
+          <a:p>
+            <a:pPr indent="-317500" lvl="0" marL="1371600" rtl="0" algn="l">
+              <a:spcBef>
+                <a:spcPts val="0"/>
+              </a:spcBef>
+              <a:spcAft>
+                <a:spcPts val="0"/>
+              </a:spcAft>
+              <a:buSzPts val="1400"/>
+              <a:buChar char="●"/>
+            </a:pPr>
+            <a:r>
+              <a:rPr lang="en" sz="1400"/>
+              <a:t>Wildland Fire Locations Full History Dataset</a:t>
+            </a:r>
+            <a:endParaRPr sz="1400"/>
+          </a:p>
+          <a:p>
+            <a:pPr indent="-317500" lvl="1" marL="1828800" rtl="0" algn="l">
+              <a:spcBef>
+                <a:spcPts val="0"/>
+              </a:spcBef>
+              <a:spcAft>
+                <a:spcPts val="0"/>
+              </a:spcAft>
+              <a:buSzPts val="1400"/>
+              <a:buChar char="○"/>
+            </a:pPr>
+            <a:r>
+              <a:rPr lang="en"/>
+              <a:t>Latitude and Longitude</a:t>
+            </a:r>
+            <a:endParaRPr/>
+          </a:p>
+        </p:txBody>
+      </p:sp>
+      <p:sp>
+        <p:nvSpPr>
+          <p:cNvPr id="329" name="Google Shape;329;p36"/>
+          <p:cNvSpPr txBox="1"/>
+          <p:nvPr/>
+        </p:nvSpPr>
+        <p:spPr>
+          <a:xfrm>
+            <a:off x="614429" y="4287654"/>
+            <a:ext cx="5393100" cy="300000"/>
+          </a:xfrm>
+          <a:prstGeom prst="rect">
+            <a:avLst/>
+          </a:prstGeom>
+          <a:noFill/>
+          <a:ln>
+            <a:noFill/>
+          </a:ln>
+        </p:spPr>
+        <p:txBody>
+          <a:bodyPr anchorCtr="0" anchor="t" bIns="91425" lIns="91425" spcFirstLastPara="1" rIns="91425" wrap="square" tIns="91425">
+            <a:noAutofit/>
+          </a:bodyPr>
+          <a:lstStyle/>
+          <a:p>
+            <a:pPr indent="0" lvl="0" marL="0" rtl="0" algn="l">
+              <a:lnSpc>
+                <a:spcPct val="115000"/>
+              </a:lnSpc>
+              <a:spcBef>
+                <a:spcPts val="0"/>
+              </a:spcBef>
+              <a:spcAft>
+                <a:spcPts val="1600"/>
+              </a:spcAft>
+              <a:buNone/>
+            </a:pPr>
+            <a:r>
+              <a:t/>
+            </a:r>
+            <a:endParaRPr sz="1200">
+              <a:latin typeface="Lato"/>
+              <a:ea typeface="Lato"/>
+              <a:cs typeface="Lato"/>
+              <a:sym typeface="Lato"/>
+            </a:endParaRPr>
+          </a:p>
+        </p:txBody>
+      </p:sp>
+      <p:sp>
+        <p:nvSpPr>
+          <p:cNvPr id="330" name="Google Shape;330;p36"/>
+          <p:cNvSpPr/>
+          <p:nvPr/>
+        </p:nvSpPr>
+        <p:spPr>
+          <a:xfrm>
+            <a:off x="0" y="4782000"/>
+            <a:ext cx="9144000" cy="361500"/>
+          </a:xfrm>
+          <a:prstGeom prst="rect">
+            <a:avLst/>
+          </a:prstGeom>
+          <a:solidFill>
+            <a:schemeClr val="accent2"/>
+          </a:solidFill>
+          <a:ln>
+            <a:noFill/>
+          </a:ln>
+        </p:spPr>
+        <p:txBody>
+          <a:bodyPr anchorCtr="0" anchor="ctr" bIns="91425" lIns="91425" spcFirstLastPara="1" rIns="91425" wrap="square" tIns="91425">
+            <a:noAutofit/>
+          </a:bodyPr>
+          <a:lstStyle/>
+          <a:p>
+            <a:pPr indent="0" lvl="0" marL="0" rtl="0" algn="l">
+              <a:spcBef>
+                <a:spcPts val="0"/>
+              </a:spcBef>
+              <a:spcAft>
+                <a:spcPts val="0"/>
+              </a:spcAft>
+              <a:buNone/>
+            </a:pPr>
+            <a:r>
+              <a:t/>
+            </a:r>
+            <a:endParaRPr/>
+          </a:p>
+        </p:txBody>
+      </p:sp>
+    </p:spTree>
+  </p:cSld>
+  <p:clrMapOvr>
+    <a:masterClrMapping/>
+  </p:clrMapOvr>
+</p:sld>
+</file>
+
+<file path=ppt/slides/slide4.xml><?xml version="1.0" encoding="utf-8"?>
+<p:sld xmlns:a="http://schemas.openxmlformats.org/drawingml/2006/main" xmlns:r="http://schemas.openxmlformats.org/officeDocument/2006/relationships" xmlns:mc="http://schemas.openxmlformats.org/markup-compatibility/2006" xmlns:mv="urn:schemas-microsoft-com:mac:vml" xmlns:p="http://schemas.openxmlformats.org/presentationml/2006/main" xmlns:c="http://schemas.openxmlformats.org/drawingml/2006/chart" xmlns:dgm="http://schemas.openxmlformats.org/drawingml/2006/diagram" xmlns:o="urn:schemas-microsoft-com:office:office" xmlns:v="urn:schemas-microsoft-com:vml" xmlns:pvml="urn:schemas-microsoft-com:office:powerpoint" xmlns:com="http://schemas.openxmlformats.org/drawingml/2006/compatibility" xmlns:p14="http://schemas.microsoft.com/office/powerpoint/2010/main" xmlns:p15="http://schemas.microsoft.com/office/powerpoint/2012/main" xmlns:ahyp="http://schemas.microsoft.com/office/drawing/2018/hyperlinkcolor">
+  <p:cSld>
+    <p:spTree>
+      <p:nvGrpSpPr>
+        <p:cNvPr id="334" name="Shape 334"/>
+        <p:cNvGrpSpPr/>
+        <p:nvPr/>
+      </p:nvGrpSpPr>
+      <p:grpSpPr>
+        <a:xfrm>
+          <a:off x="0" y="0"/>
+          <a:ext cx="0" cy="0"/>
+          <a:chOff x="0" y="0"/>
+          <a:chExt cx="0" cy="0"/>
+        </a:xfrm>
+      </p:grpSpPr>
+      <p:sp>
+        <p:nvSpPr>
+          <p:cNvPr id="335" name="Google Shape;335;p37"/>
+          <p:cNvSpPr txBox="1"/>
+          <p:nvPr>
+            <p:ph type="title"/>
+          </p:nvPr>
+        </p:nvSpPr>
+        <p:spPr>
+          <a:xfrm>
+            <a:off x="713225" y="257025"/>
+            <a:ext cx="7717500" cy="572700"/>
+          </a:xfrm>
+          <a:prstGeom prst="rect">
+            <a:avLst/>
+          </a:prstGeom>
+        </p:spPr>
+        <p:txBody>
+          <a:bodyPr anchorCtr="0" anchor="t" bIns="91425" lIns="91425" spcFirstLastPara="1" rIns="91425" wrap="square" tIns="91425">
+            <a:noAutofit/>
+          </a:bodyPr>
+          <a:lstStyle/>
+          <a:p>
+            <a:pPr indent="0" lvl="0" marL="0" rtl="0" algn="ctr">
+              <a:spcBef>
+                <a:spcPts val="0"/>
+              </a:spcBef>
+              <a:spcAft>
+                <a:spcPts val="0"/>
+              </a:spcAft>
+              <a:buClr>
+                <a:schemeClr val="dk1"/>
+              </a:buClr>
+              <a:buSzPts val="1100"/>
+              <a:buFont typeface="Arial"/>
+              <a:buNone/>
+            </a:pPr>
+            <a:r>
+              <a:rPr lang="en"/>
+              <a:t>Technology Utilized</a:t>
+            </a:r>
+            <a:endParaRPr/>
+          </a:p>
+        </p:txBody>
+      </p:sp>
+      <p:sp>
+        <p:nvSpPr>
+          <p:cNvPr id="336" name="Google Shape;336;p37"/>
+          <p:cNvSpPr txBox="1"/>
+          <p:nvPr>
+            <p:ph idx="2" type="title"/>
+          </p:nvPr>
+        </p:nvSpPr>
+        <p:spPr>
+          <a:xfrm>
+            <a:off x="869413" y="2085757"/>
+            <a:ext cx="2320800" cy="572700"/>
+          </a:xfrm>
+          <a:prstGeom prst="rect">
+            <a:avLst/>
+          </a:prstGeom>
+        </p:spPr>
+        <p:txBody>
+          <a:bodyPr anchorCtr="0" anchor="t" bIns="91425" lIns="91425" spcFirstLastPara="1" rIns="91425" wrap="square" tIns="91425">
+            <a:noAutofit/>
+          </a:bodyPr>
+          <a:lstStyle/>
+          <a:p>
+            <a:pPr indent="0" lvl="0" marL="0" rtl="0" algn="ctr">
+              <a:spcBef>
+                <a:spcPts val="0"/>
+              </a:spcBef>
+              <a:spcAft>
+                <a:spcPts val="0"/>
+              </a:spcAft>
+              <a:buNone/>
+            </a:pPr>
+            <a:r>
+              <a:rPr lang="en"/>
+              <a:t>Mapbox</a:t>
+            </a:r>
+            <a:endParaRPr/>
+          </a:p>
+        </p:txBody>
+      </p:sp>
+      <p:sp>
+        <p:nvSpPr>
+          <p:cNvPr id="337" name="Google Shape;337;p37"/>
+          <p:cNvSpPr txBox="1"/>
+          <p:nvPr>
+            <p:ph idx="1" type="subTitle"/>
+          </p:nvPr>
+        </p:nvSpPr>
+        <p:spPr>
+          <a:xfrm>
+            <a:off x="941325" y="2537050"/>
+            <a:ext cx="2176800" cy="809400"/>
+          </a:xfrm>
+          <a:prstGeom prst="rect">
+            <a:avLst/>
+          </a:prstGeom>
+        </p:spPr>
+        <p:txBody>
+          <a:bodyPr anchorCtr="0" anchor="t" bIns="91425" lIns="91425" spcFirstLastPara="1" rIns="91425" wrap="square" tIns="91425">
+            <a:noAutofit/>
+          </a:bodyPr>
+          <a:lstStyle/>
+          <a:p>
+            <a:pPr indent="0" lvl="0" marL="0" rtl="0" algn="ctr">
+              <a:spcBef>
+                <a:spcPts val="0"/>
+              </a:spcBef>
+              <a:spcAft>
+                <a:spcPts val="0"/>
+              </a:spcAft>
+              <a:buNone/>
+            </a:pPr>
+            <a:r>
+              <a:rPr lang="en"/>
+              <a:t>Creating the map</a:t>
+            </a:r>
+            <a:endParaRPr/>
+          </a:p>
+        </p:txBody>
+      </p:sp>
+      <p:sp>
+        <p:nvSpPr>
+          <p:cNvPr id="338" name="Google Shape;338;p37"/>
+          <p:cNvSpPr txBox="1"/>
+          <p:nvPr>
+            <p:ph idx="3" type="title"/>
+          </p:nvPr>
+        </p:nvSpPr>
+        <p:spPr>
+          <a:xfrm>
+            <a:off x="3411566" y="2085757"/>
+            <a:ext cx="2320800" cy="572700"/>
+          </a:xfrm>
+          <a:prstGeom prst="rect">
+            <a:avLst/>
+          </a:prstGeom>
+        </p:spPr>
+        <p:txBody>
+          <a:bodyPr anchorCtr="0" anchor="t" bIns="91425" lIns="91425" spcFirstLastPara="1" rIns="91425" wrap="square" tIns="91425">
+            <a:noAutofit/>
+          </a:bodyPr>
+          <a:lstStyle/>
+          <a:p>
+            <a:pPr indent="0" lvl="0" marL="0" rtl="0" algn="ctr">
+              <a:spcBef>
+                <a:spcPts val="0"/>
+              </a:spcBef>
+              <a:spcAft>
+                <a:spcPts val="0"/>
+              </a:spcAft>
+              <a:buNone/>
+            </a:pPr>
+            <a:r>
+              <a:rPr lang="en"/>
+              <a:t>SQL: Postgres Database</a:t>
+            </a:r>
+            <a:endParaRPr/>
+          </a:p>
+        </p:txBody>
+      </p:sp>
+      <p:sp>
+        <p:nvSpPr>
+          <p:cNvPr id="339" name="Google Shape;339;p37"/>
+          <p:cNvSpPr txBox="1"/>
+          <p:nvPr>
+            <p:ph idx="4" type="subTitle"/>
+          </p:nvPr>
+        </p:nvSpPr>
+        <p:spPr>
+          <a:xfrm>
+            <a:off x="3481504" y="2537050"/>
+            <a:ext cx="2176800" cy="809400"/>
+          </a:xfrm>
+          <a:prstGeom prst="rect">
+            <a:avLst/>
+          </a:prstGeom>
+        </p:spPr>
+        <p:txBody>
+          <a:bodyPr anchorCtr="0" anchor="t" bIns="91425" lIns="91425" spcFirstLastPara="1" rIns="91425" wrap="square" tIns="91425">
+            <a:noAutofit/>
+          </a:bodyPr>
+          <a:lstStyle/>
+          <a:p>
+            <a:pPr indent="0" lvl="0" marL="0" rtl="0" algn="ctr">
+              <a:spcBef>
+                <a:spcPts val="0"/>
+              </a:spcBef>
+              <a:spcAft>
+                <a:spcPts val="0"/>
+              </a:spcAft>
+              <a:buClr>
+                <a:schemeClr val="dk1"/>
+              </a:buClr>
+              <a:buSzPts val="1100"/>
+              <a:buFont typeface="Arial"/>
+              <a:buNone/>
+            </a:pPr>
+            <a:r>
+              <a:rPr lang="en"/>
+              <a:t>Cleaning and storing Wildfire Data</a:t>
+            </a:r>
+            <a:endParaRPr/>
+          </a:p>
+        </p:txBody>
+      </p:sp>
+      <p:sp>
+        <p:nvSpPr>
+          <p:cNvPr id="340" name="Google Shape;340;p37"/>
+          <p:cNvSpPr txBox="1"/>
+          <p:nvPr>
+            <p:ph idx="5" type="title"/>
+          </p:nvPr>
+        </p:nvSpPr>
+        <p:spPr>
+          <a:xfrm>
+            <a:off x="5953725" y="2155557"/>
+            <a:ext cx="2320800" cy="572700"/>
+          </a:xfrm>
+          <a:prstGeom prst="rect">
+            <a:avLst/>
+          </a:prstGeom>
+        </p:spPr>
+        <p:txBody>
+          <a:bodyPr anchorCtr="0" anchor="t" bIns="91425" lIns="91425" spcFirstLastPara="1" rIns="91425" wrap="square" tIns="91425">
+            <a:noAutofit/>
+          </a:bodyPr>
+          <a:lstStyle/>
+          <a:p>
+            <a:pPr indent="0" lvl="0" marL="0" rtl="0" algn="ctr">
+              <a:spcBef>
+                <a:spcPts val="0"/>
+              </a:spcBef>
+              <a:spcAft>
+                <a:spcPts val="0"/>
+              </a:spcAft>
+              <a:buNone/>
+            </a:pPr>
+            <a:r>
+              <a:rPr lang="en"/>
+              <a:t>Flask</a:t>
+            </a:r>
+            <a:endParaRPr/>
+          </a:p>
+        </p:txBody>
+      </p:sp>
+      <p:sp>
+        <p:nvSpPr>
+          <p:cNvPr id="341" name="Google Shape;341;p37"/>
+          <p:cNvSpPr txBox="1"/>
+          <p:nvPr>
+            <p:ph idx="6" type="subTitle"/>
+          </p:nvPr>
+        </p:nvSpPr>
+        <p:spPr>
+          <a:xfrm>
+            <a:off x="6021675" y="2728250"/>
+            <a:ext cx="2176800" cy="809400"/>
+          </a:xfrm>
+          <a:prstGeom prst="rect">
+            <a:avLst/>
+          </a:prstGeom>
+        </p:spPr>
+        <p:txBody>
+          <a:bodyPr anchorCtr="0" anchor="t" bIns="91425" lIns="91425" spcFirstLastPara="1" rIns="91425" wrap="square" tIns="91425">
+            <a:noAutofit/>
+          </a:bodyPr>
+          <a:lstStyle/>
+          <a:p>
+            <a:pPr indent="0" lvl="0" marL="0" rtl="0" algn="ctr">
+              <a:spcBef>
+                <a:spcPts val="0"/>
+              </a:spcBef>
+              <a:spcAft>
+                <a:spcPts val="0"/>
+              </a:spcAft>
+              <a:buNone/>
+            </a:pPr>
+            <a:r>
+              <a:rPr lang="en"/>
+              <a:t>Deploying App</a:t>
+            </a:r>
+            <a:endParaRPr/>
+          </a:p>
+        </p:txBody>
+      </p:sp>
+      <p:pic>
+        <p:nvPicPr>
+          <p:cNvPr id="342" name="Google Shape;342;p37"/>
+          <p:cNvPicPr preferRelativeResize="0"/>
+          <p:nvPr/>
+        </p:nvPicPr>
+        <p:blipFill rotWithShape="1">
+          <a:blip r:embed="rId3">
+            <a:alphaModFix/>
+          </a:blip>
+          <a:srcRect b="27504" l="0" r="0" t="0"/>
+          <a:stretch/>
+        </p:blipFill>
+        <p:spPr>
+          <a:xfrm>
+            <a:off x="6656700" y="1257260"/>
+            <a:ext cx="914850" cy="852240"/>
+          </a:xfrm>
+          <a:prstGeom prst="rect">
+            <a:avLst/>
+          </a:prstGeom>
+          <a:noFill/>
+          <a:ln>
+            <a:noFill/>
+          </a:ln>
+        </p:spPr>
+      </p:pic>
+      <p:pic>
+        <p:nvPicPr>
+          <p:cNvPr id="343" name="Google Shape;343;p37"/>
+          <p:cNvPicPr preferRelativeResize="0"/>
+          <p:nvPr/>
+        </p:nvPicPr>
+        <p:blipFill>
+          <a:blip r:embed="rId4">
+            <a:alphaModFix/>
+          </a:blip>
+          <a:stretch>
+            <a:fillRect/>
+          </a:stretch>
+        </p:blipFill>
+        <p:spPr>
+          <a:xfrm>
+            <a:off x="4114562" y="1211200"/>
+            <a:ext cx="914842" cy="944362"/>
+          </a:xfrm>
+          <a:prstGeom prst="rect">
+            <a:avLst/>
+          </a:prstGeom>
+          <a:noFill/>
+          <a:ln>
+            <a:noFill/>
+          </a:ln>
+        </p:spPr>
+      </p:pic>
+      <p:pic>
+        <p:nvPicPr>
+          <p:cNvPr id="344" name="Google Shape;344;p37"/>
+          <p:cNvPicPr preferRelativeResize="0"/>
+          <p:nvPr/>
+        </p:nvPicPr>
+        <p:blipFill>
+          <a:blip r:embed="rId5">
+            <a:alphaModFix/>
+          </a:blip>
+          <a:stretch>
+            <a:fillRect/>
+          </a:stretch>
+        </p:blipFill>
+        <p:spPr>
+          <a:xfrm>
+            <a:off x="757150" y="1397037"/>
+            <a:ext cx="2545360" cy="572700"/>
+          </a:xfrm>
+          <a:prstGeom prst="rect">
+            <a:avLst/>
+          </a:prstGeom>
+          <a:noFill/>
+          <a:ln>
+            <a:noFill/>
+          </a:ln>
+        </p:spPr>
+      </p:pic>
+      <p:pic>
+        <p:nvPicPr>
+          <p:cNvPr id="345" name="Google Shape;345;p37"/>
+          <p:cNvPicPr preferRelativeResize="0"/>
+          <p:nvPr/>
+        </p:nvPicPr>
+        <p:blipFill>
+          <a:blip r:embed="rId6">
+            <a:alphaModFix/>
+          </a:blip>
+          <a:stretch>
+            <a:fillRect/>
+          </a:stretch>
+        </p:blipFill>
+        <p:spPr>
+          <a:xfrm>
+            <a:off x="700250" y="2658450"/>
+            <a:ext cx="2659150" cy="1994350"/>
+          </a:xfrm>
+          <a:prstGeom prst="rect">
+            <a:avLst/>
+          </a:prstGeom>
+          <a:noFill/>
+          <a:ln>
+            <a:noFill/>
+          </a:ln>
+        </p:spPr>
+      </p:pic>
+      <p:sp>
+        <p:nvSpPr>
+          <p:cNvPr id="346" name="Google Shape;346;p37"/>
+          <p:cNvSpPr txBox="1"/>
+          <p:nvPr>
+            <p:ph idx="2" type="title"/>
+          </p:nvPr>
+        </p:nvSpPr>
+        <p:spPr>
+          <a:xfrm>
+            <a:off x="919513" y="3866907"/>
+            <a:ext cx="2320800" cy="572700"/>
+          </a:xfrm>
+          <a:prstGeom prst="rect">
+            <a:avLst/>
+          </a:prstGeom>
+        </p:spPr>
+        <p:txBody>
+          <a:bodyPr anchorCtr="0" anchor="t" bIns="91425" lIns="91425" spcFirstLastPara="1" rIns="91425" wrap="square" tIns="91425">
+            <a:noAutofit/>
+          </a:bodyPr>
+          <a:lstStyle/>
+          <a:p>
+            <a:pPr indent="0" lvl="0" marL="0" rtl="0" algn="ctr">
+              <a:spcBef>
+                <a:spcPts val="0"/>
+              </a:spcBef>
+              <a:spcAft>
+                <a:spcPts val="0"/>
+              </a:spcAft>
+              <a:buNone/>
+            </a:pPr>
+            <a:r>
+              <a:rPr lang="en"/>
+              <a:t>Leaflet</a:t>
+            </a:r>
+            <a:endParaRPr/>
+          </a:p>
+        </p:txBody>
+      </p:sp>
+      <p:sp>
+        <p:nvSpPr>
+          <p:cNvPr id="347" name="Google Shape;347;p37"/>
+          <p:cNvSpPr txBox="1"/>
+          <p:nvPr>
+            <p:ph idx="1" type="subTitle"/>
+          </p:nvPr>
+        </p:nvSpPr>
+        <p:spPr>
+          <a:xfrm>
+            <a:off x="991425" y="4318200"/>
+            <a:ext cx="2176800" cy="809400"/>
+          </a:xfrm>
+          <a:prstGeom prst="rect">
+            <a:avLst/>
+          </a:prstGeom>
+        </p:spPr>
+        <p:txBody>
+          <a:bodyPr anchorCtr="0" anchor="t" bIns="91425" lIns="91425" spcFirstLastPara="1" rIns="91425" wrap="square" tIns="91425">
+            <a:noAutofit/>
+          </a:bodyPr>
+          <a:lstStyle/>
+          <a:p>
+            <a:pPr indent="0" lvl="0" marL="0" rtl="0" algn="ctr">
+              <a:spcBef>
+                <a:spcPts val="0"/>
+              </a:spcBef>
+              <a:spcAft>
+                <a:spcPts val="0"/>
+              </a:spcAft>
+              <a:buNone/>
+            </a:pPr>
+            <a:r>
+              <a:rPr lang="en"/>
+              <a:t>Binding Popups and creating heatmap</a:t>
+            </a:r>
+            <a:endParaRPr/>
+          </a:p>
+        </p:txBody>
+      </p:sp>
+      <p:pic>
+        <p:nvPicPr>
+          <p:cNvPr id="348" name="Google Shape;348;p37"/>
+          <p:cNvPicPr preferRelativeResize="0"/>
+          <p:nvPr/>
+        </p:nvPicPr>
+        <p:blipFill>
+          <a:blip r:embed="rId7">
+            <a:alphaModFix/>
+          </a:blip>
+          <a:stretch>
+            <a:fillRect/>
+          </a:stretch>
+        </p:blipFill>
+        <p:spPr>
+          <a:xfrm>
+            <a:off x="4143763" y="3188113"/>
+            <a:ext cx="974474" cy="776526"/>
+          </a:xfrm>
+          <a:prstGeom prst="rect">
+            <a:avLst/>
+          </a:prstGeom>
+          <a:noFill/>
+          <a:ln>
+            <a:noFill/>
+          </a:ln>
+        </p:spPr>
+      </p:pic>
+      <p:sp>
+        <p:nvSpPr>
+          <p:cNvPr id="349" name="Google Shape;349;p37"/>
+          <p:cNvSpPr txBox="1"/>
+          <p:nvPr>
+            <p:ph idx="5" type="title"/>
+          </p:nvPr>
+        </p:nvSpPr>
+        <p:spPr>
+          <a:xfrm>
+            <a:off x="3470600" y="3866907"/>
+            <a:ext cx="2320800" cy="572700"/>
+          </a:xfrm>
+          <a:prstGeom prst="rect">
+            <a:avLst/>
+          </a:prstGeom>
+        </p:spPr>
+        <p:txBody>
+          <a:bodyPr anchorCtr="0" anchor="t" bIns="91425" lIns="91425" spcFirstLastPara="1" rIns="91425" wrap="square" tIns="91425">
+            <a:noAutofit/>
+          </a:bodyPr>
+          <a:lstStyle/>
+          <a:p>
+            <a:pPr indent="0" lvl="0" marL="0" rtl="0" algn="ctr">
+              <a:spcBef>
+                <a:spcPts val="0"/>
+              </a:spcBef>
+              <a:spcAft>
+                <a:spcPts val="0"/>
+              </a:spcAft>
+              <a:buNone/>
+            </a:pPr>
+            <a:r>
+              <a:rPr lang="en"/>
+              <a:t>Bootstrap</a:t>
+            </a:r>
+            <a:endParaRPr/>
+          </a:p>
+        </p:txBody>
+      </p:sp>
+      <p:sp>
+        <p:nvSpPr>
+          <p:cNvPr id="350" name="Google Shape;350;p37"/>
+          <p:cNvSpPr txBox="1"/>
+          <p:nvPr>
+            <p:ph idx="6" type="subTitle"/>
+          </p:nvPr>
+        </p:nvSpPr>
+        <p:spPr>
+          <a:xfrm>
+            <a:off x="3538550" y="4439600"/>
+            <a:ext cx="2176800" cy="809400"/>
+          </a:xfrm>
+          <a:prstGeom prst="rect">
+            <a:avLst/>
+          </a:prstGeom>
+        </p:spPr>
+        <p:txBody>
+          <a:bodyPr anchorCtr="0" anchor="t" bIns="91425" lIns="91425" spcFirstLastPara="1" rIns="91425" wrap="square" tIns="91425">
+            <a:noAutofit/>
+          </a:bodyPr>
+          <a:lstStyle/>
+          <a:p>
+            <a:pPr indent="0" lvl="0" marL="0" rtl="0" algn="ctr">
+              <a:spcBef>
+                <a:spcPts val="0"/>
+              </a:spcBef>
+              <a:spcAft>
+                <a:spcPts val="0"/>
+              </a:spcAft>
+              <a:buNone/>
+            </a:pPr>
+            <a:r>
+              <a:rPr lang="en"/>
+              <a:t>Styling Popups and Webpage</a:t>
+            </a:r>
+            <a:endParaRPr/>
+          </a:p>
+        </p:txBody>
+      </p:sp>
+    </p:spTree>
+  </p:cSld>
+  <p:clrMapOvr>
+    <a:masterClrMapping/>
+  </p:clrMapOvr>
+</p:sld>
+</file>
+
+<file path=ppt/slides/slide5.xml><?xml version="1.0" encoding="utf-8"?>
+<p:sld xmlns:a="http://schemas.openxmlformats.org/drawingml/2006/main" xmlns:r="http://schemas.openxmlformats.org/officeDocument/2006/relationships" xmlns:mc="http://schemas.openxmlformats.org/markup-compatibility/2006" xmlns:mv="urn:schemas-microsoft-com:mac:vml" xmlns:p="http://schemas.openxmlformats.org/presentationml/2006/main" xmlns:c="http://schemas.openxmlformats.org/drawingml/2006/chart" xmlns:dgm="http://schemas.openxmlformats.org/drawingml/2006/diagram" xmlns:o="urn:schemas-microsoft-com:office:office" xmlns:v="urn:schemas-microsoft-com:vml" xmlns:pvml="urn:schemas-microsoft-com:office:powerpoint" xmlns:com="http://schemas.openxmlformats.org/drawingml/2006/compatibility" xmlns:p14="http://schemas.microsoft.com/office/powerpoint/2010/main" xmlns:p15="http://schemas.microsoft.com/office/powerpoint/2012/main" xmlns:ahyp="http://schemas.microsoft.com/office/drawing/2018/hyperlinkcolor">
+  <p:cSld>
+    <p:spTree>
+      <p:nvGrpSpPr>
+        <p:cNvPr id="354" name="Shape 354"/>
+        <p:cNvGrpSpPr/>
+        <p:nvPr/>
+      </p:nvGrpSpPr>
+      <p:grpSpPr>
+        <a:xfrm>
+          <a:off x="0" y="0"/>
+          <a:ext cx="0" cy="0"/>
+          <a:chOff x="0" y="0"/>
+          <a:chExt cx="0" cy="0"/>
+        </a:xfrm>
+      </p:grpSpPr>
+      <p:sp>
+        <p:nvSpPr>
+          <p:cNvPr id="355" name="Google Shape;355;p38"/>
+          <p:cNvSpPr txBox="1"/>
+          <p:nvPr>
+            <p:ph type="title"/>
+          </p:nvPr>
+        </p:nvSpPr>
+        <p:spPr>
+          <a:xfrm>
+            <a:off x="583849" y="489050"/>
+            <a:ext cx="7968600" cy="572700"/>
+          </a:xfrm>
+          <a:prstGeom prst="rect">
+            <a:avLst/>
+          </a:prstGeom>
+        </p:spPr>
+        <p:txBody>
+          <a:bodyPr anchorCtr="0" anchor="t" bIns="91425" lIns="91425" spcFirstLastPara="1" rIns="91425" wrap="square" tIns="91425">
+            <a:noAutofit/>
+          </a:bodyPr>
+          <a:lstStyle/>
+          <a:p>
+            <a:pPr indent="0" lvl="0" marL="0" rtl="0" algn="l">
+              <a:spcBef>
+                <a:spcPts val="0"/>
+              </a:spcBef>
+              <a:spcAft>
+                <a:spcPts val="0"/>
+              </a:spcAft>
+              <a:buNone/>
+            </a:pPr>
+            <a:r>
+              <a:rPr lang="en"/>
+              <a:t>Data Cleaning</a:t>
+            </a:r>
+            <a:endParaRPr/>
+          </a:p>
+        </p:txBody>
+      </p:sp>
+      <p:sp>
+        <p:nvSpPr>
+          <p:cNvPr id="356" name="Google Shape;356;p38"/>
+          <p:cNvSpPr txBox="1"/>
+          <p:nvPr>
+            <p:ph idx="1" type="body"/>
+          </p:nvPr>
+        </p:nvSpPr>
+        <p:spPr>
+          <a:xfrm>
+            <a:off x="614425" y="1446325"/>
+            <a:ext cx="6957600" cy="2831100"/>
+          </a:xfrm>
+          <a:prstGeom prst="rect">
+            <a:avLst/>
+          </a:prstGeom>
+        </p:spPr>
+        <p:txBody>
+          <a:bodyPr anchorCtr="0" anchor="t" bIns="91425" lIns="91425" spcFirstLastPara="1" rIns="91425" wrap="square" tIns="91425">
+            <a:noAutofit/>
+          </a:bodyPr>
+          <a:lstStyle/>
+          <a:p>
+            <a:pPr indent="-317500" lvl="0" marL="457200" rtl="0" algn="l">
+              <a:spcBef>
+                <a:spcPts val="0"/>
+              </a:spcBef>
+              <a:spcAft>
+                <a:spcPts val="0"/>
+              </a:spcAft>
+              <a:buSzPts val="1400"/>
+              <a:buAutoNum type="arabicPeriod"/>
+            </a:pPr>
+            <a:r>
+              <a:rPr lang="en" sz="1400" u="sng">
+                <a:solidFill>
+                  <a:schemeClr val="accent4"/>
+                </a:solidFill>
+                <a:hlinkClick r:id="rId3">
+                  <a:extLst>
+                    <a:ext uri="{A12FA001-AC4F-418D-AE19-62706E023703}">
+                      <ahyp:hlinkClr val="tx"/>
+                    </a:ext>
+                  </a:extLst>
+                </a:hlinkClick>
+              </a:rPr>
+              <a:t>National Park Service (NPS) API</a:t>
+            </a:r>
+            <a:endParaRPr sz="1400">
+              <a:solidFill>
+                <a:schemeClr val="dk1"/>
+              </a:solidFill>
+            </a:endParaRPr>
+          </a:p>
+          <a:p>
+            <a:pPr indent="-317500" lvl="1" marL="914400" rtl="0" algn="l">
+              <a:spcBef>
+                <a:spcPts val="0"/>
+              </a:spcBef>
+              <a:spcAft>
+                <a:spcPts val="0"/>
+              </a:spcAft>
+              <a:buClr>
+                <a:schemeClr val="dk1"/>
+              </a:buClr>
+              <a:buSzPts val="1400"/>
+              <a:buAutoNum type="alphaLcPeriod"/>
+            </a:pPr>
+            <a:r>
+              <a:rPr lang="en">
+                <a:solidFill>
+                  <a:schemeClr val="dk1"/>
+                </a:solidFill>
+              </a:rPr>
+              <a:t>Issues with Lat and Long data: 3 locations did not include the (-) symbol for the longitude - Tamarack Flat Campground, Bridalveil Creek, NPS Priest Rock Public use cabin</a:t>
+            </a:r>
+            <a:endParaRPr>
+              <a:solidFill>
+                <a:schemeClr val="dk1"/>
+              </a:solidFill>
+            </a:endParaRPr>
+          </a:p>
+          <a:p>
+            <a:pPr indent="-317500" lvl="1" marL="914400" rtl="0" algn="l">
+              <a:spcBef>
+                <a:spcPts val="0"/>
+              </a:spcBef>
+              <a:spcAft>
+                <a:spcPts val="0"/>
+              </a:spcAft>
+              <a:buClr>
+                <a:schemeClr val="dk1"/>
+              </a:buClr>
+              <a:buSzPts val="1400"/>
+              <a:buAutoNum type="alphaLcPeriod"/>
+            </a:pPr>
+            <a:r>
+              <a:rPr lang="en">
+                <a:solidFill>
+                  <a:schemeClr val="dk1"/>
+                </a:solidFill>
+              </a:rPr>
+              <a:t>Reached out to NPS via email, no response</a:t>
+            </a:r>
+            <a:endParaRPr>
+              <a:solidFill>
+                <a:schemeClr val="dk1"/>
+              </a:solidFill>
+            </a:endParaRPr>
+          </a:p>
+          <a:p>
+            <a:pPr indent="-317500" lvl="0" marL="457200" rtl="0" algn="l">
+              <a:spcBef>
+                <a:spcPts val="0"/>
+              </a:spcBef>
+              <a:spcAft>
+                <a:spcPts val="0"/>
+              </a:spcAft>
+              <a:buSzPts val="1400"/>
+              <a:buAutoNum type="arabicPeriod"/>
+            </a:pPr>
+            <a:r>
+              <a:rPr lang="en" sz="1400" u="sng">
+                <a:solidFill>
+                  <a:schemeClr val="accent4"/>
+                </a:solidFill>
+                <a:hlinkClick r:id="rId4">
+                  <a:extLst>
+                    <a:ext uri="{A12FA001-AC4F-418D-AE19-62706E023703}">
+                      <ahyp:hlinkClr val="tx"/>
+                    </a:ext>
+                  </a:extLst>
+                </a:hlinkClick>
+              </a:rPr>
+              <a:t>National Interagency Fire Center</a:t>
+            </a:r>
+            <a:endParaRPr>
+              <a:solidFill>
+                <a:schemeClr val="dk1"/>
+              </a:solidFill>
+            </a:endParaRPr>
+          </a:p>
+          <a:p>
+            <a:pPr indent="-317500" lvl="1" marL="914400" rtl="0" algn="l">
+              <a:spcBef>
+                <a:spcPts val="0"/>
+              </a:spcBef>
+              <a:spcAft>
+                <a:spcPts val="0"/>
+              </a:spcAft>
+              <a:buClr>
+                <a:schemeClr val="dk1"/>
+              </a:buClr>
+              <a:buSzPts val="1400"/>
+              <a:buAutoNum type="alphaLcPeriod"/>
+            </a:pPr>
+            <a:r>
+              <a:rPr lang="en">
+                <a:solidFill>
+                  <a:schemeClr val="dk1"/>
+                </a:solidFill>
+              </a:rPr>
+              <a:t>Renaming of columns</a:t>
+            </a:r>
+            <a:endParaRPr>
+              <a:solidFill>
+                <a:schemeClr val="dk1"/>
+              </a:solidFill>
+            </a:endParaRPr>
+          </a:p>
+          <a:p>
+            <a:pPr indent="-317500" lvl="1" marL="914400" rtl="0" algn="l">
+              <a:spcBef>
+                <a:spcPts val="0"/>
+              </a:spcBef>
+              <a:spcAft>
+                <a:spcPts val="0"/>
+              </a:spcAft>
+              <a:buClr>
+                <a:schemeClr val="dk1"/>
+              </a:buClr>
+              <a:buSzPts val="1400"/>
+              <a:buAutoNum type="alphaLcPeriod"/>
+            </a:pPr>
+            <a:r>
+              <a:rPr lang="en">
+                <a:solidFill>
+                  <a:schemeClr val="dk1"/>
+                </a:solidFill>
+              </a:rPr>
+              <a:t>Latitude and Longitude were mixed up, had to create a Postgres table that made it more intuitive to read in data</a:t>
+            </a:r>
+            <a:endParaRPr>
+              <a:solidFill>
+                <a:schemeClr val="dk1"/>
+              </a:solidFill>
+            </a:endParaRPr>
+          </a:p>
+          <a:p>
+            <a:pPr indent="-317500" lvl="1" marL="914400" rtl="0" algn="l">
+              <a:spcBef>
+                <a:spcPts val="0"/>
+              </a:spcBef>
+              <a:spcAft>
+                <a:spcPts val="0"/>
+              </a:spcAft>
+              <a:buClr>
+                <a:schemeClr val="dk1"/>
+              </a:buClr>
+              <a:buSzPts val="1400"/>
+              <a:buAutoNum type="alphaLcPeriod"/>
+            </a:pPr>
+            <a:r>
+              <a:rPr lang="en">
+                <a:solidFill>
+                  <a:schemeClr val="dk1"/>
+                </a:solidFill>
+              </a:rPr>
+              <a:t>Creating a JSON object from the Postgres Database using JSONIFY</a:t>
+            </a:r>
+            <a:endParaRPr>
+              <a:solidFill>
+                <a:schemeClr val="dk1"/>
+              </a:solidFill>
+            </a:endParaRPr>
+          </a:p>
+          <a:p>
+            <a:pPr indent="0" lvl="0" marL="0" rtl="0" algn="l">
+              <a:spcBef>
+                <a:spcPts val="0"/>
+              </a:spcBef>
+              <a:spcAft>
+                <a:spcPts val="0"/>
+              </a:spcAft>
+              <a:buNone/>
+            </a:pPr>
+            <a:r>
+              <a:t/>
+            </a:r>
+            <a:endParaRPr/>
+          </a:p>
+        </p:txBody>
+      </p:sp>
     </p:spTree>
   </p:cSld>
   <p:clrMapOvr>
